--- a/presentation_Git.pptx
+++ b/presentation_Git.pptx
@@ -9,8 +9,8 @@
     <p:sldId id="284" r:id="rId3"/>
     <p:sldId id="276" r:id="rId4"/>
     <p:sldId id="286" r:id="rId5"/>
-    <p:sldId id="287" r:id="rId6"/>
-    <p:sldId id="282" r:id="rId7"/>
+    <p:sldId id="282" r:id="rId6"/>
+    <p:sldId id="287" r:id="rId7"/>
     <p:sldId id="283" r:id="rId8"/>
     <p:sldId id="279" r:id="rId9"/>
     <p:sldId id="285" r:id="rId10"/>
@@ -43716,6 +43716,745 @@
         <p:cNvPr id="1" name="">
           <a:extLst>
             <a:ext uri="{FF2B5EF4-FFF2-40B4-BE49-F238E27FC236}">
+              <a16:creationId xmlns:a16="http://schemas.microsoft.com/office/drawing/2014/main" id="{DA91B68D-8097-34FE-043C-062FC3D0BDF5}"/>
+            </a:ext>
+          </a:extLst>
+        </p:cNvPr>
+        <p:cNvGrpSpPr/>
+        <p:nvPr/>
+      </p:nvGrpSpPr>
+      <p:grpSpPr>
+        <a:xfrm>
+          <a:off x="0" y="0"/>
+          <a:ext cx="0" cy="0"/>
+          <a:chOff x="0" y="0"/>
+          <a:chExt cx="0" cy="0"/>
+        </a:xfrm>
+      </p:grpSpPr>
+      <p:cxnSp>
+        <p:nvCxnSpPr>
+          <p:cNvPr id="10" name="直接连接符 9">
+            <a:extLst>
+              <a:ext uri="{FF2B5EF4-FFF2-40B4-BE49-F238E27FC236}">
+                <a16:creationId xmlns:a16="http://schemas.microsoft.com/office/drawing/2014/main" id="{72092165-E6FD-ECC1-F971-EC24611BC19D}"/>
+              </a:ext>
+            </a:extLst>
+          </p:cNvPr>
+          <p:cNvCxnSpPr/>
+          <p:nvPr/>
+        </p:nvCxnSpPr>
+        <p:spPr>
+          <a:xfrm>
+            <a:off x="0" y="5949950"/>
+            <a:ext cx="12192000" cy="0"/>
+          </a:xfrm>
+          <a:prstGeom prst="line">
+            <a:avLst/>
+          </a:prstGeom>
+          <a:ln w="12700">
+            <a:solidFill>
+              <a:schemeClr val="tx1"/>
+            </a:solidFill>
+          </a:ln>
+        </p:spPr>
+        <p:style>
+          <a:lnRef idx="1">
+            <a:schemeClr val="accent1"/>
+          </a:lnRef>
+          <a:fillRef idx="0">
+            <a:schemeClr val="accent1"/>
+          </a:fillRef>
+          <a:effectRef idx="0">
+            <a:schemeClr val="accent1"/>
+          </a:effectRef>
+          <a:fontRef idx="minor">
+            <a:schemeClr val="tx1"/>
+          </a:fontRef>
+        </p:style>
+      </p:cxnSp>
+      <p:sp>
+        <p:nvSpPr>
+          <p:cNvPr id="2" name="文本框 1">
+            <a:extLst>
+              <a:ext uri="{FF2B5EF4-FFF2-40B4-BE49-F238E27FC236}">
+                <a16:creationId xmlns:a16="http://schemas.microsoft.com/office/drawing/2014/main" id="{93DD4B8F-AB61-13AE-FB1A-F1ED012F0184}"/>
+              </a:ext>
+            </a:extLst>
+          </p:cNvPr>
+          <p:cNvSpPr txBox="1"/>
+          <p:nvPr/>
+        </p:nvSpPr>
+        <p:spPr>
+          <a:xfrm>
+            <a:off x="621042" y="469817"/>
+            <a:ext cx="6798361" cy="584775"/>
+          </a:xfrm>
+          <a:prstGeom prst="rect">
+            <a:avLst/>
+          </a:prstGeom>
+          <a:noFill/>
+        </p:spPr>
+        <p:txBody>
+          <a:bodyPr wrap="square" rtlCol="0">
+            <a:spAutoFit/>
+          </a:bodyPr>
+          <a:lstStyle/>
+          <a:p>
+            <a:r>
+              <a:rPr lang="en-US" altLang="zh-CN" sz="3200" dirty="0">
+                <a:latin typeface="+mj-lt"/>
+              </a:rPr>
+              <a:t>   Example</a:t>
+            </a:r>
+          </a:p>
+        </p:txBody>
+      </p:sp>
+      <p:sp>
+        <p:nvSpPr>
+          <p:cNvPr id="5" name="矩形 4">
+            <a:extLst>
+              <a:ext uri="{FF2B5EF4-FFF2-40B4-BE49-F238E27FC236}">
+                <a16:creationId xmlns:a16="http://schemas.microsoft.com/office/drawing/2014/main" id="{91F58169-D2EC-9B73-7232-7294B6B59239}"/>
+              </a:ext>
+            </a:extLst>
+          </p:cNvPr>
+          <p:cNvSpPr/>
+          <p:nvPr/>
+        </p:nvSpPr>
+        <p:spPr>
+          <a:xfrm>
+            <a:off x="515938" y="0"/>
+            <a:ext cx="104172" cy="908050"/>
+          </a:xfrm>
+          <a:prstGeom prst="rect">
+            <a:avLst/>
+          </a:prstGeom>
+          <a:solidFill>
+            <a:schemeClr val="accent1"/>
+          </a:solidFill>
+          <a:ln>
+            <a:noFill/>
+          </a:ln>
+        </p:spPr>
+        <p:style>
+          <a:lnRef idx="2">
+            <a:schemeClr val="accent1">
+              <a:shade val="15000"/>
+            </a:schemeClr>
+          </a:lnRef>
+          <a:fillRef idx="1">
+            <a:schemeClr val="accent1"/>
+          </a:fillRef>
+          <a:effectRef idx="0">
+            <a:schemeClr val="accent1"/>
+          </a:effectRef>
+          <a:fontRef idx="minor">
+            <a:schemeClr val="lt1"/>
+          </a:fontRef>
+        </p:style>
+        <p:txBody>
+          <a:bodyPr rtlCol="0" anchor="ctr"/>
+          <a:lstStyle/>
+          <a:p>
+            <a:pPr algn="ctr"/>
+            <a:endParaRPr lang="zh-CN" altLang="en-US"/>
+          </a:p>
+        </p:txBody>
+      </p:sp>
+      <p:sp>
+        <p:nvSpPr>
+          <p:cNvPr id="38" name="矩形 37">
+            <a:extLst>
+              <a:ext uri="{FF2B5EF4-FFF2-40B4-BE49-F238E27FC236}">
+                <a16:creationId xmlns:a16="http://schemas.microsoft.com/office/drawing/2014/main" id="{131F820C-190B-C707-B4E0-130B0F1FD912}"/>
+              </a:ext>
+            </a:extLst>
+          </p:cNvPr>
+          <p:cNvSpPr/>
+          <p:nvPr/>
+        </p:nvSpPr>
+        <p:spPr>
+          <a:xfrm>
+            <a:off x="10986350" y="866963"/>
+            <a:ext cx="180000" cy="36000"/>
+          </a:xfrm>
+          <a:prstGeom prst="rect">
+            <a:avLst/>
+          </a:prstGeom>
+          <a:solidFill>
+            <a:schemeClr val="accent1"/>
+          </a:solidFill>
+          <a:ln>
+            <a:noFill/>
+          </a:ln>
+        </p:spPr>
+        <p:style>
+          <a:lnRef idx="2">
+            <a:schemeClr val="accent1">
+              <a:shade val="15000"/>
+            </a:schemeClr>
+          </a:lnRef>
+          <a:fillRef idx="1">
+            <a:schemeClr val="accent1"/>
+          </a:fillRef>
+          <a:effectRef idx="0">
+            <a:schemeClr val="accent1"/>
+          </a:effectRef>
+          <a:fontRef idx="minor">
+            <a:schemeClr val="lt1"/>
+          </a:fontRef>
+        </p:style>
+        <p:txBody>
+          <a:bodyPr rtlCol="0" anchor="ctr"/>
+          <a:lstStyle/>
+          <a:p>
+            <a:pPr algn="ctr"/>
+            <a:endParaRPr lang="zh-CN" altLang="en-US" dirty="0"/>
+          </a:p>
+        </p:txBody>
+      </p:sp>
+      <p:sp>
+        <p:nvSpPr>
+          <p:cNvPr id="39" name="矩形 38">
+            <a:extLst>
+              <a:ext uri="{FF2B5EF4-FFF2-40B4-BE49-F238E27FC236}">
+                <a16:creationId xmlns:a16="http://schemas.microsoft.com/office/drawing/2014/main" id="{ED1E74C4-1C3F-06A8-B6B3-9F697A2E9DAF}"/>
+              </a:ext>
+            </a:extLst>
+          </p:cNvPr>
+          <p:cNvSpPr/>
+          <p:nvPr/>
+        </p:nvSpPr>
+        <p:spPr>
+          <a:xfrm>
+            <a:off x="11249427" y="866963"/>
+            <a:ext cx="180000" cy="36000"/>
+          </a:xfrm>
+          <a:prstGeom prst="rect">
+            <a:avLst/>
+          </a:prstGeom>
+          <a:solidFill>
+            <a:schemeClr val="tx1"/>
+          </a:solidFill>
+          <a:ln>
+            <a:noFill/>
+          </a:ln>
+        </p:spPr>
+        <p:style>
+          <a:lnRef idx="2">
+            <a:schemeClr val="accent1">
+              <a:shade val="15000"/>
+            </a:schemeClr>
+          </a:lnRef>
+          <a:fillRef idx="1">
+            <a:schemeClr val="accent1"/>
+          </a:fillRef>
+          <a:effectRef idx="0">
+            <a:schemeClr val="accent1"/>
+          </a:effectRef>
+          <a:fontRef idx="minor">
+            <a:schemeClr val="lt1"/>
+          </a:fontRef>
+        </p:style>
+        <p:txBody>
+          <a:bodyPr rtlCol="0" anchor="ctr"/>
+          <a:lstStyle/>
+          <a:p>
+            <a:pPr algn="ctr"/>
+            <a:endParaRPr lang="zh-CN" altLang="en-US" dirty="0"/>
+          </a:p>
+        </p:txBody>
+      </p:sp>
+      <p:sp>
+        <p:nvSpPr>
+          <p:cNvPr id="40" name="矩形 39">
+            <a:extLst>
+              <a:ext uri="{FF2B5EF4-FFF2-40B4-BE49-F238E27FC236}">
+                <a16:creationId xmlns:a16="http://schemas.microsoft.com/office/drawing/2014/main" id="{D7B5D611-8A67-2540-E001-D0B6F98332C2}"/>
+              </a:ext>
+            </a:extLst>
+          </p:cNvPr>
+          <p:cNvSpPr/>
+          <p:nvPr/>
+        </p:nvSpPr>
+        <p:spPr>
+          <a:xfrm>
+            <a:off x="11512504" y="866963"/>
+            <a:ext cx="180000" cy="36000"/>
+          </a:xfrm>
+          <a:prstGeom prst="rect">
+            <a:avLst/>
+          </a:prstGeom>
+          <a:solidFill>
+            <a:schemeClr val="accent1"/>
+          </a:solidFill>
+          <a:ln>
+            <a:noFill/>
+          </a:ln>
+        </p:spPr>
+        <p:style>
+          <a:lnRef idx="2">
+            <a:schemeClr val="accent1">
+              <a:shade val="15000"/>
+            </a:schemeClr>
+          </a:lnRef>
+          <a:fillRef idx="1">
+            <a:schemeClr val="accent1"/>
+          </a:fillRef>
+          <a:effectRef idx="0">
+            <a:schemeClr val="accent1"/>
+          </a:effectRef>
+          <a:fontRef idx="minor">
+            <a:schemeClr val="lt1"/>
+          </a:fontRef>
+        </p:style>
+        <p:txBody>
+          <a:bodyPr rtlCol="0" anchor="ctr"/>
+          <a:lstStyle/>
+          <a:p>
+            <a:pPr algn="ctr"/>
+            <a:endParaRPr lang="zh-CN" altLang="en-US" dirty="0"/>
+          </a:p>
+        </p:txBody>
+      </p:sp>
+      <p:pic>
+        <p:nvPicPr>
+          <p:cNvPr id="8" name="Picture 7">
+            <a:extLst>
+              <a:ext uri="{FF2B5EF4-FFF2-40B4-BE49-F238E27FC236}">
+                <a16:creationId xmlns:a16="http://schemas.microsoft.com/office/drawing/2014/main" id="{B730AB63-1C42-F881-66D0-C98D4D4E1AB2}"/>
+              </a:ext>
+            </a:extLst>
+          </p:cNvPr>
+          <p:cNvPicPr>
+            <a:picLocks noChangeAspect="1"/>
+          </p:cNvPicPr>
+          <p:nvPr/>
+        </p:nvPicPr>
+        <p:blipFill>
+          <a:blip r:embed="rId2"/>
+          <a:stretch>
+            <a:fillRect/>
+          </a:stretch>
+        </p:blipFill>
+        <p:spPr>
+          <a:xfrm>
+            <a:off x="3258447" y="464351"/>
+            <a:ext cx="5944430" cy="1686160"/>
+          </a:xfrm>
+          <a:prstGeom prst="rect">
+            <a:avLst/>
+          </a:prstGeom>
+        </p:spPr>
+      </p:pic>
+      <p:pic>
+        <p:nvPicPr>
+          <p:cNvPr id="15" name="Picture 14">
+            <a:extLst>
+              <a:ext uri="{FF2B5EF4-FFF2-40B4-BE49-F238E27FC236}">
+                <a16:creationId xmlns:a16="http://schemas.microsoft.com/office/drawing/2014/main" id="{0E8F9557-00AE-CCF5-ECE9-CF18C3CD600F}"/>
+              </a:ext>
+            </a:extLst>
+          </p:cNvPr>
+          <p:cNvPicPr>
+            <a:picLocks noChangeAspect="1"/>
+          </p:cNvPicPr>
+          <p:nvPr/>
+        </p:nvPicPr>
+        <p:blipFill>
+          <a:blip r:embed="rId3"/>
+          <a:stretch>
+            <a:fillRect/>
+          </a:stretch>
+        </p:blipFill>
+        <p:spPr>
+          <a:xfrm>
+            <a:off x="3258448" y="3807890"/>
+            <a:ext cx="5944429" cy="1046141"/>
+          </a:xfrm>
+          <a:prstGeom prst="rect">
+            <a:avLst/>
+          </a:prstGeom>
+        </p:spPr>
+      </p:pic>
+      <p:pic>
+        <p:nvPicPr>
+          <p:cNvPr id="17" name="Picture 16">
+            <a:extLst>
+              <a:ext uri="{FF2B5EF4-FFF2-40B4-BE49-F238E27FC236}">
+                <a16:creationId xmlns:a16="http://schemas.microsoft.com/office/drawing/2014/main" id="{C6348D4C-6903-1D9D-68C0-8E1C21B34760}"/>
+              </a:ext>
+            </a:extLst>
+          </p:cNvPr>
+          <p:cNvPicPr>
+            <a:picLocks noChangeAspect="1"/>
+          </p:cNvPicPr>
+          <p:nvPr/>
+        </p:nvPicPr>
+        <p:blipFill>
+          <a:blip r:embed="rId4"/>
+          <a:stretch>
+            <a:fillRect/>
+          </a:stretch>
+        </p:blipFill>
+        <p:spPr>
+          <a:xfrm>
+            <a:off x="3453926" y="2620328"/>
+            <a:ext cx="4808660" cy="795133"/>
+          </a:xfrm>
+          <a:prstGeom prst="rect">
+            <a:avLst/>
+          </a:prstGeom>
+        </p:spPr>
+      </p:pic>
+    </p:spTree>
+    <p:extLst>
+      <p:ext uri="{BB962C8B-B14F-4D97-AF65-F5344CB8AC3E}">
+        <p14:creationId xmlns:p14="http://schemas.microsoft.com/office/powerpoint/2010/main" val="3304331897"/>
+      </p:ext>
+    </p:extLst>
+  </p:cSld>
+  <p:clrMapOvr>
+    <a:masterClrMapping/>
+  </p:clrMapOvr>
+  <p:timing>
+    <p:tnLst>
+      <p:par>
+        <p:cTn id="1" dur="indefinite" restart="never" nodeType="tmRoot">
+          <p:childTnLst>
+            <p:seq concurrent="1" nextAc="seek">
+              <p:cTn id="2" dur="indefinite" nodeType="mainSeq">
+                <p:childTnLst>
+                  <p:par>
+                    <p:cTn id="3" fill="hold">
+                      <p:stCondLst>
+                        <p:cond delay="indefinite"/>
+                      </p:stCondLst>
+                      <p:childTnLst>
+                        <p:par>
+                          <p:cTn id="4" fill="hold">
+                            <p:stCondLst>
+                              <p:cond delay="0"/>
+                            </p:stCondLst>
+                            <p:childTnLst>
+                              <p:par>
+                                <p:cTn id="5" presetID="42" presetClass="entr" presetSubtype="0" fill="hold" nodeType="clickEffect">
+                                  <p:stCondLst>
+                                    <p:cond delay="0"/>
+                                  </p:stCondLst>
+                                  <p:childTnLst>
+                                    <p:set>
+                                      <p:cBhvr>
+                                        <p:cTn id="6" dur="1" fill="hold">
+                                          <p:stCondLst>
+                                            <p:cond delay="0"/>
+                                          </p:stCondLst>
+                                        </p:cTn>
+                                        <p:tgtEl>
+                                          <p:spTgt spid="8"/>
+                                        </p:tgtEl>
+                                        <p:attrNameLst>
+                                          <p:attrName>style.visibility</p:attrName>
+                                        </p:attrNameLst>
+                                      </p:cBhvr>
+                                      <p:to>
+                                        <p:strVal val="visible"/>
+                                      </p:to>
+                                    </p:set>
+                                    <p:animEffect transition="in" filter="fade">
+                                      <p:cBhvr>
+                                        <p:cTn id="7" dur="1000"/>
+                                        <p:tgtEl>
+                                          <p:spTgt spid="8"/>
+                                        </p:tgtEl>
+                                      </p:cBhvr>
+                                    </p:animEffect>
+                                    <p:anim calcmode="lin" valueType="num">
+                                      <p:cBhvr>
+                                        <p:cTn id="8" dur="1000" fill="hold"/>
+                                        <p:tgtEl>
+                                          <p:spTgt spid="8"/>
+                                        </p:tgtEl>
+                                        <p:attrNameLst>
+                                          <p:attrName>ppt_x</p:attrName>
+                                        </p:attrNameLst>
+                                      </p:cBhvr>
+                                      <p:tavLst>
+                                        <p:tav tm="0">
+                                          <p:val>
+                                            <p:strVal val="#ppt_x"/>
+                                          </p:val>
+                                        </p:tav>
+                                        <p:tav tm="100000">
+                                          <p:val>
+                                            <p:strVal val="#ppt_x"/>
+                                          </p:val>
+                                        </p:tav>
+                                      </p:tavLst>
+                                    </p:anim>
+                                    <p:anim calcmode="lin" valueType="num">
+                                      <p:cBhvr>
+                                        <p:cTn id="9" dur="1000" fill="hold"/>
+                                        <p:tgtEl>
+                                          <p:spTgt spid="8"/>
+                                        </p:tgtEl>
+                                        <p:attrNameLst>
+                                          <p:attrName>ppt_y</p:attrName>
+                                        </p:attrNameLst>
+                                      </p:cBhvr>
+                                      <p:tavLst>
+                                        <p:tav tm="0">
+                                          <p:val>
+                                            <p:strVal val="#ppt_y+.1"/>
+                                          </p:val>
+                                        </p:tav>
+                                        <p:tav tm="100000">
+                                          <p:val>
+                                            <p:strVal val="#ppt_y"/>
+                                          </p:val>
+                                        </p:tav>
+                                      </p:tavLst>
+                                    </p:anim>
+                                  </p:childTnLst>
+                                </p:cTn>
+                              </p:par>
+                            </p:childTnLst>
+                          </p:cTn>
+                        </p:par>
+                      </p:childTnLst>
+                    </p:cTn>
+                  </p:par>
+                  <p:par>
+                    <p:cTn id="10" fill="hold">
+                      <p:stCondLst>
+                        <p:cond delay="indefinite"/>
+                      </p:stCondLst>
+                      <p:childTnLst>
+                        <p:par>
+                          <p:cTn id="11" fill="hold">
+                            <p:stCondLst>
+                              <p:cond delay="0"/>
+                            </p:stCondLst>
+                            <p:childTnLst>
+                              <p:par>
+                                <p:cTn id="12" presetID="42" presetClass="entr" presetSubtype="0" fill="hold" nodeType="clickEffect">
+                                  <p:stCondLst>
+                                    <p:cond delay="0"/>
+                                  </p:stCondLst>
+                                  <p:childTnLst>
+                                    <p:set>
+                                      <p:cBhvr>
+                                        <p:cTn id="13" dur="1" fill="hold">
+                                          <p:stCondLst>
+                                            <p:cond delay="0"/>
+                                          </p:stCondLst>
+                                        </p:cTn>
+                                        <p:tgtEl>
+                                          <p:spTgt spid="17"/>
+                                        </p:tgtEl>
+                                        <p:attrNameLst>
+                                          <p:attrName>style.visibility</p:attrName>
+                                        </p:attrNameLst>
+                                      </p:cBhvr>
+                                      <p:to>
+                                        <p:strVal val="visible"/>
+                                      </p:to>
+                                    </p:set>
+                                    <p:animEffect transition="in" filter="fade">
+                                      <p:cBhvr>
+                                        <p:cTn id="14" dur="1000"/>
+                                        <p:tgtEl>
+                                          <p:spTgt spid="17"/>
+                                        </p:tgtEl>
+                                      </p:cBhvr>
+                                    </p:animEffect>
+                                    <p:anim calcmode="lin" valueType="num">
+                                      <p:cBhvr>
+                                        <p:cTn id="15" dur="1000" fill="hold"/>
+                                        <p:tgtEl>
+                                          <p:spTgt spid="17"/>
+                                        </p:tgtEl>
+                                        <p:attrNameLst>
+                                          <p:attrName>ppt_x</p:attrName>
+                                        </p:attrNameLst>
+                                      </p:cBhvr>
+                                      <p:tavLst>
+                                        <p:tav tm="0">
+                                          <p:val>
+                                            <p:strVal val="#ppt_x"/>
+                                          </p:val>
+                                        </p:tav>
+                                        <p:tav tm="100000">
+                                          <p:val>
+                                            <p:strVal val="#ppt_x"/>
+                                          </p:val>
+                                        </p:tav>
+                                      </p:tavLst>
+                                    </p:anim>
+                                    <p:anim calcmode="lin" valueType="num">
+                                      <p:cBhvr>
+                                        <p:cTn id="16" dur="1000" fill="hold"/>
+                                        <p:tgtEl>
+                                          <p:spTgt spid="17"/>
+                                        </p:tgtEl>
+                                        <p:attrNameLst>
+                                          <p:attrName>ppt_y</p:attrName>
+                                        </p:attrNameLst>
+                                      </p:cBhvr>
+                                      <p:tavLst>
+                                        <p:tav tm="0">
+                                          <p:val>
+                                            <p:strVal val="#ppt_y+.1"/>
+                                          </p:val>
+                                        </p:tav>
+                                        <p:tav tm="100000">
+                                          <p:val>
+                                            <p:strVal val="#ppt_y"/>
+                                          </p:val>
+                                        </p:tav>
+                                      </p:tavLst>
+                                    </p:anim>
+                                  </p:childTnLst>
+                                </p:cTn>
+                              </p:par>
+                            </p:childTnLst>
+                          </p:cTn>
+                        </p:par>
+                      </p:childTnLst>
+                    </p:cTn>
+                  </p:par>
+                  <p:par>
+                    <p:cTn id="17" fill="hold">
+                      <p:stCondLst>
+                        <p:cond delay="indefinite"/>
+                      </p:stCondLst>
+                      <p:childTnLst>
+                        <p:par>
+                          <p:cTn id="18" fill="hold">
+                            <p:stCondLst>
+                              <p:cond delay="0"/>
+                            </p:stCondLst>
+                            <p:childTnLst>
+                              <p:par>
+                                <p:cTn id="19" presetID="42" presetClass="entr" presetSubtype="0" fill="hold" nodeType="clickEffect">
+                                  <p:stCondLst>
+                                    <p:cond delay="0"/>
+                                  </p:stCondLst>
+                                  <p:childTnLst>
+                                    <p:set>
+                                      <p:cBhvr>
+                                        <p:cTn id="20" dur="1" fill="hold">
+                                          <p:stCondLst>
+                                            <p:cond delay="0"/>
+                                          </p:stCondLst>
+                                        </p:cTn>
+                                        <p:tgtEl>
+                                          <p:spTgt spid="15"/>
+                                        </p:tgtEl>
+                                        <p:attrNameLst>
+                                          <p:attrName>style.visibility</p:attrName>
+                                        </p:attrNameLst>
+                                      </p:cBhvr>
+                                      <p:to>
+                                        <p:strVal val="visible"/>
+                                      </p:to>
+                                    </p:set>
+                                    <p:animEffect transition="in" filter="fade">
+                                      <p:cBhvr>
+                                        <p:cTn id="21" dur="1000"/>
+                                        <p:tgtEl>
+                                          <p:spTgt spid="15"/>
+                                        </p:tgtEl>
+                                      </p:cBhvr>
+                                    </p:animEffect>
+                                    <p:anim calcmode="lin" valueType="num">
+                                      <p:cBhvr>
+                                        <p:cTn id="22" dur="1000" fill="hold"/>
+                                        <p:tgtEl>
+                                          <p:spTgt spid="15"/>
+                                        </p:tgtEl>
+                                        <p:attrNameLst>
+                                          <p:attrName>ppt_x</p:attrName>
+                                        </p:attrNameLst>
+                                      </p:cBhvr>
+                                      <p:tavLst>
+                                        <p:tav tm="0">
+                                          <p:val>
+                                            <p:strVal val="#ppt_x"/>
+                                          </p:val>
+                                        </p:tav>
+                                        <p:tav tm="100000">
+                                          <p:val>
+                                            <p:strVal val="#ppt_x"/>
+                                          </p:val>
+                                        </p:tav>
+                                      </p:tavLst>
+                                    </p:anim>
+                                    <p:anim calcmode="lin" valueType="num">
+                                      <p:cBhvr>
+                                        <p:cTn id="23" dur="1000" fill="hold"/>
+                                        <p:tgtEl>
+                                          <p:spTgt spid="15"/>
+                                        </p:tgtEl>
+                                        <p:attrNameLst>
+                                          <p:attrName>ppt_y</p:attrName>
+                                        </p:attrNameLst>
+                                      </p:cBhvr>
+                                      <p:tavLst>
+                                        <p:tav tm="0">
+                                          <p:val>
+                                            <p:strVal val="#ppt_y+.1"/>
+                                          </p:val>
+                                        </p:tav>
+                                        <p:tav tm="100000">
+                                          <p:val>
+                                            <p:strVal val="#ppt_y"/>
+                                          </p:val>
+                                        </p:tav>
+                                      </p:tavLst>
+                                    </p:anim>
+                                  </p:childTnLst>
+                                </p:cTn>
+                              </p:par>
+                            </p:childTnLst>
+                          </p:cTn>
+                        </p:par>
+                      </p:childTnLst>
+                    </p:cTn>
+                  </p:par>
+                </p:childTnLst>
+              </p:cTn>
+              <p:prevCondLst>
+                <p:cond evt="onPrev" delay="0">
+                  <p:tgtEl>
+                    <p:sldTgt/>
+                  </p:tgtEl>
+                </p:cond>
+              </p:prevCondLst>
+              <p:nextCondLst>
+                <p:cond evt="onNext" delay="0">
+                  <p:tgtEl>
+                    <p:sldTgt/>
+                  </p:tgtEl>
+                </p:cond>
+              </p:nextCondLst>
+            </p:seq>
+          </p:childTnLst>
+        </p:cTn>
+      </p:par>
+    </p:tnLst>
+  </p:timing>
+</p:sld>
+</file>
+
+<file path=ppt/slides/slide6.xml><?xml version="1.0" encoding="utf-8"?>
+<p:sld xmlns:a="http://schemas.openxmlformats.org/drawingml/2006/main" xmlns:r="http://schemas.openxmlformats.org/officeDocument/2006/relationships" xmlns:p="http://schemas.openxmlformats.org/presentationml/2006/main">
+  <p:cSld>
+    <p:spTree>
+      <p:nvGrpSpPr>
+        <p:cNvPr id="1" name="">
+          <a:extLst>
+            <a:ext uri="{FF2B5EF4-FFF2-40B4-BE49-F238E27FC236}">
               <a16:creationId xmlns:a16="http://schemas.microsoft.com/office/drawing/2014/main" id="{2898586B-0630-7666-9D3D-078318D89ABE}"/>
             </a:ext>
           </a:extLst>
@@ -44495,161 +45234,10 @@
       </p:sp>
       <p:sp>
         <p:nvSpPr>
-          <p:cNvPr id="48" name="任意多边形: 形状 47">
+          <p:cNvPr id="61" name="TextBox 60">
             <a:extLst>
               <a:ext uri="{FF2B5EF4-FFF2-40B4-BE49-F238E27FC236}">
-                <a16:creationId xmlns:a16="http://schemas.microsoft.com/office/drawing/2014/main" id="{024C16A6-2F9B-5F94-AF36-6BB776A87F3C}"/>
-              </a:ext>
-            </a:extLst>
-          </p:cNvPr>
-          <p:cNvSpPr/>
-          <p:nvPr/>
-        </p:nvSpPr>
-        <p:spPr>
-          <a:xfrm>
-            <a:off x="1503711" y="2254203"/>
-            <a:ext cx="54722" cy="3261"/>
-          </a:xfrm>
-          <a:custGeom>
-            <a:avLst/>
-            <a:gdLst>
-              <a:gd name="connsiteX0" fmla="*/ -192 w 54722"/>
-              <a:gd name="connsiteY0" fmla="*/ 2660 h 3261"/>
-              <a:gd name="connsiteX1" fmla="*/ 54530 w 54722"/>
-              <a:gd name="connsiteY1" fmla="*/ -163 h 3261"/>
-              <a:gd name="connsiteX2" fmla="*/ -192 w 54722"/>
-              <a:gd name="connsiteY2" fmla="*/ 2660 h 3261"/>
-            </a:gdLst>
-            <a:ahLst/>
-            <a:cxnLst>
-              <a:cxn ang="0">
-                <a:pos x="connsiteX0" y="connsiteY0"/>
-              </a:cxn>
-              <a:cxn ang="0">
-                <a:pos x="connsiteX1" y="connsiteY1"/>
-              </a:cxn>
-              <a:cxn ang="0">
-                <a:pos x="connsiteX2" y="connsiteY2"/>
-              </a:cxn>
-            </a:cxnLst>
-            <a:rect l="l" t="t" r="r" b="b"/>
-            <a:pathLst>
-              <a:path w="54722" h="3261">
-                <a:moveTo>
-                  <a:pt x="-192" y="2660"/>
-                </a:moveTo>
-                <a:lnTo>
-                  <a:pt x="54530" y="-163"/>
-                </a:lnTo>
-                <a:cubicBezTo>
-                  <a:pt x="36447" y="2805"/>
-                  <a:pt x="18091" y="3752"/>
-                  <a:pt x="-192" y="2660"/>
-                </a:cubicBezTo>
-                <a:close/>
-              </a:path>
-            </a:pathLst>
-          </a:custGeom>
-          <a:solidFill>
-            <a:srgbClr val="F2F2F2"/>
-          </a:solidFill>
-          <a:ln w="9105" cap="flat">
-            <a:noFill/>
-            <a:prstDash val="solid"/>
-            <a:miter/>
-          </a:ln>
-        </p:spPr>
-        <p:txBody>
-          <a:bodyPr rtlCol="0" anchor="ctr"/>
-          <a:lstStyle/>
-          <a:p>
-            <a:endParaRPr lang="zh-CN" altLang="en-US"/>
-          </a:p>
-        </p:txBody>
-      </p:sp>
-    </p:spTree>
-    <p:extLst>
-      <p:ext uri="{BB962C8B-B14F-4D97-AF65-F5344CB8AC3E}">
-        <p14:creationId xmlns:p14="http://schemas.microsoft.com/office/powerpoint/2010/main" val="4185713218"/>
-      </p:ext>
-    </p:extLst>
-  </p:cSld>
-  <p:clrMapOvr>
-    <a:masterClrMapping/>
-  </p:clrMapOvr>
-</p:sld>
-</file>
-
-<file path=ppt/slides/slide6.xml><?xml version="1.0" encoding="utf-8"?>
-<p:sld xmlns:a="http://schemas.openxmlformats.org/drawingml/2006/main" xmlns:r="http://schemas.openxmlformats.org/officeDocument/2006/relationships" xmlns:p="http://schemas.openxmlformats.org/presentationml/2006/main">
-  <p:cSld>
-    <p:spTree>
-      <p:nvGrpSpPr>
-        <p:cNvPr id="1" name="">
-          <a:extLst>
-            <a:ext uri="{FF2B5EF4-FFF2-40B4-BE49-F238E27FC236}">
-              <a16:creationId xmlns:a16="http://schemas.microsoft.com/office/drawing/2014/main" id="{DA91B68D-8097-34FE-043C-062FC3D0BDF5}"/>
-            </a:ext>
-          </a:extLst>
-        </p:cNvPr>
-        <p:cNvGrpSpPr/>
-        <p:nvPr/>
-      </p:nvGrpSpPr>
-      <p:grpSpPr>
-        <a:xfrm>
-          <a:off x="0" y="0"/>
-          <a:ext cx="0" cy="0"/>
-          <a:chOff x="0" y="0"/>
-          <a:chExt cx="0" cy="0"/>
-        </a:xfrm>
-      </p:grpSpPr>
-      <p:cxnSp>
-        <p:nvCxnSpPr>
-          <p:cNvPr id="10" name="直接连接符 9">
-            <a:extLst>
-              <a:ext uri="{FF2B5EF4-FFF2-40B4-BE49-F238E27FC236}">
-                <a16:creationId xmlns:a16="http://schemas.microsoft.com/office/drawing/2014/main" id="{72092165-E6FD-ECC1-F971-EC24611BC19D}"/>
-              </a:ext>
-            </a:extLst>
-          </p:cNvPr>
-          <p:cNvCxnSpPr/>
-          <p:nvPr/>
-        </p:nvCxnSpPr>
-        <p:spPr>
-          <a:xfrm>
-            <a:off x="0" y="5949950"/>
-            <a:ext cx="12192000" cy="0"/>
-          </a:xfrm>
-          <a:prstGeom prst="line">
-            <a:avLst/>
-          </a:prstGeom>
-          <a:ln w="12700">
-            <a:solidFill>
-              <a:schemeClr val="tx1"/>
-            </a:solidFill>
-          </a:ln>
-        </p:spPr>
-        <p:style>
-          <a:lnRef idx="1">
-            <a:schemeClr val="accent1"/>
-          </a:lnRef>
-          <a:fillRef idx="0">
-            <a:schemeClr val="accent1"/>
-          </a:fillRef>
-          <a:effectRef idx="0">
-            <a:schemeClr val="accent1"/>
-          </a:effectRef>
-          <a:fontRef idx="minor">
-            <a:schemeClr val="tx1"/>
-          </a:fontRef>
-        </p:style>
-      </p:cxnSp>
-      <p:sp>
-        <p:nvSpPr>
-          <p:cNvPr id="2" name="文本框 1">
-            <a:extLst>
-              <a:ext uri="{FF2B5EF4-FFF2-40B4-BE49-F238E27FC236}">
-                <a16:creationId xmlns:a16="http://schemas.microsoft.com/office/drawing/2014/main" id="{93DD4B8F-AB61-13AE-FB1A-F1ED012F0184}"/>
+                <a16:creationId xmlns:a16="http://schemas.microsoft.com/office/drawing/2014/main" id="{A6426871-38B8-A52B-AB0E-C9C509EA3B42}"/>
               </a:ext>
             </a:extLst>
           </p:cNvPr>
@@ -44658,8 +45246,8 @@
         </p:nvSpPr>
         <p:spPr>
           <a:xfrm>
-            <a:off x="621042" y="469817"/>
-            <a:ext cx="6798361" cy="584775"/>
+            <a:off x="515937" y="1205984"/>
+            <a:ext cx="10384632" cy="3539430"/>
           </a:xfrm>
           <a:prstGeom prst="rect">
             <a:avLst/>
@@ -44667,322 +45255,109 @@
           <a:noFill/>
         </p:spPr>
         <p:txBody>
-          <a:bodyPr wrap="square" rtlCol="0">
+          <a:bodyPr wrap="square">
             <a:spAutoFit/>
           </a:bodyPr>
           <a:lstStyle/>
           <a:p>
+            <a:pPr lvl="0" eaLnBrk="0" fontAlgn="base" hangingPunct="0">
+              <a:spcBef>
+                <a:spcPct val="0"/>
+              </a:spcBef>
+              <a:spcAft>
+                <a:spcPct val="0"/>
+              </a:spcAft>
+            </a:pPr>
             <a:r>
-              <a:rPr lang="en-US" altLang="zh-CN" sz="3200" dirty="0">
-                <a:latin typeface="+mj-lt"/>
+              <a:rPr lang="fr-FR" altLang="en-US" sz="2800" dirty="0">
+                <a:latin typeface="Consolas" panose="020B0609020204030204" pitchFamily="49" charset="0"/>
               </a:rPr>
-              <a:t>   Example</a:t>
+              <a:t>Si tu </a:t>
             </a:r>
+            <a:r>
+              <a:rPr lang="fr-FR" altLang="en-US" sz="2800" dirty="0" err="1">
+                <a:latin typeface="Consolas" panose="020B0609020204030204" pitchFamily="49" charset="0"/>
+              </a:rPr>
+              <a:t>specife</a:t>
+            </a:r>
+            <a:r>
+              <a:rPr lang="fr-FR" altLang="en-US" sz="2800" dirty="0">
+                <a:latin typeface="Consolas" panose="020B0609020204030204" pitchFamily="49" charset="0"/>
+              </a:rPr>
+              <a:t> l’option  -–hard  </a:t>
+            </a:r>
+          </a:p>
+          <a:p>
+            <a:pPr lvl="0" eaLnBrk="0" fontAlgn="base" hangingPunct="0">
+              <a:spcBef>
+                <a:spcPct val="0"/>
+              </a:spcBef>
+              <a:spcAft>
+                <a:spcPct val="0"/>
+              </a:spcAft>
+            </a:pPr>
+            <a:r>
+              <a:rPr lang="fr-FR" altLang="en-US" sz="2800">
+                <a:latin typeface="Consolas" panose="020B0609020204030204" pitchFamily="49" charset="0"/>
+              </a:rPr>
+              <a:t>Elle </a:t>
+            </a:r>
+            <a:r>
+              <a:rPr lang="fr-FR" altLang="en-US" sz="2800" dirty="0">
+                <a:latin typeface="Consolas" panose="020B0609020204030204" pitchFamily="49" charset="0"/>
+              </a:rPr>
+              <a:t>réinitialise tout — le commit, la zone de </a:t>
+            </a:r>
+            <a:r>
+              <a:rPr lang="fr-FR" altLang="en-US" sz="2800" dirty="0" err="1">
+                <a:latin typeface="Consolas" panose="020B0609020204030204" pitchFamily="49" charset="0"/>
+              </a:rPr>
+              <a:t>staging</a:t>
+            </a:r>
+            <a:r>
+              <a:rPr lang="fr-FR" altLang="en-US" sz="2800" dirty="0">
+                <a:latin typeface="Consolas" panose="020B0609020204030204" pitchFamily="49" charset="0"/>
+              </a:rPr>
+              <a:t>, et même le dossier de travail. Donc attention : elle efface complètement les </a:t>
+            </a:r>
+            <a:r>
+              <a:rPr lang="fr-FR" altLang="en-US" sz="2800" dirty="0" err="1">
+                <a:latin typeface="Consolas" panose="020B0609020204030204" pitchFamily="49" charset="0"/>
+              </a:rPr>
+              <a:t>changements.Si</a:t>
+            </a:r>
+            <a:r>
+              <a:rPr lang="fr-FR" altLang="en-US" sz="2800" dirty="0">
+                <a:latin typeface="Consolas" panose="020B0609020204030204" pitchFamily="49" charset="0"/>
+              </a:rPr>
+              <a:t> on utilise git reset sans option, Git utilise --mixed par défaut. Cela réinitialise le commit et la zone de </a:t>
+            </a:r>
+            <a:r>
+              <a:rPr lang="fr-FR" altLang="en-US" sz="2800" dirty="0" err="1">
+                <a:latin typeface="Consolas" panose="020B0609020204030204" pitchFamily="49" charset="0"/>
+              </a:rPr>
+              <a:t>staging</a:t>
+            </a:r>
+            <a:r>
+              <a:rPr lang="fr-FR" altLang="en-US" sz="2800" dirty="0">
+                <a:latin typeface="Consolas" panose="020B0609020204030204" pitchFamily="49" charset="0"/>
+              </a:rPr>
+              <a:t>, mais garde les changements dans le dossier de travail</a:t>
+            </a:r>
+            <a:endParaRPr kumimoji="0" lang="en-US" altLang="en-US" sz="2800" b="0" i="0" u="none" strike="noStrike" cap="none" normalizeH="0" baseline="0" dirty="0">
+              <a:ln>
+                <a:noFill/>
+              </a:ln>
+              <a:effectLst/>
+              <a:latin typeface="Arial" panose="020B0604020202020204" pitchFamily="34" charset="0"/>
+            </a:endParaRPr>
           </a:p>
         </p:txBody>
       </p:sp>
-      <p:sp>
-        <p:nvSpPr>
-          <p:cNvPr id="5" name="矩形 4">
-            <a:extLst>
-              <a:ext uri="{FF2B5EF4-FFF2-40B4-BE49-F238E27FC236}">
-                <a16:creationId xmlns:a16="http://schemas.microsoft.com/office/drawing/2014/main" id="{91F58169-D2EC-9B73-7232-7294B6B59239}"/>
-              </a:ext>
-            </a:extLst>
-          </p:cNvPr>
-          <p:cNvSpPr/>
-          <p:nvPr/>
-        </p:nvSpPr>
-        <p:spPr>
-          <a:xfrm>
-            <a:off x="515938" y="0"/>
-            <a:ext cx="104172" cy="908050"/>
-          </a:xfrm>
-          <a:prstGeom prst="rect">
-            <a:avLst/>
-          </a:prstGeom>
-          <a:solidFill>
-            <a:schemeClr val="accent1"/>
-          </a:solidFill>
-          <a:ln>
-            <a:noFill/>
-          </a:ln>
-        </p:spPr>
-        <p:style>
-          <a:lnRef idx="2">
-            <a:schemeClr val="accent1">
-              <a:shade val="15000"/>
-            </a:schemeClr>
-          </a:lnRef>
-          <a:fillRef idx="1">
-            <a:schemeClr val="accent1"/>
-          </a:fillRef>
-          <a:effectRef idx="0">
-            <a:schemeClr val="accent1"/>
-          </a:effectRef>
-          <a:fontRef idx="minor">
-            <a:schemeClr val="lt1"/>
-          </a:fontRef>
-        </p:style>
-        <p:txBody>
-          <a:bodyPr rtlCol="0" anchor="ctr"/>
-          <a:lstStyle/>
-          <a:p>
-            <a:pPr algn="ctr"/>
-            <a:endParaRPr lang="zh-CN" altLang="en-US"/>
-          </a:p>
-        </p:txBody>
-      </p:sp>
-      <p:sp>
-        <p:nvSpPr>
-          <p:cNvPr id="38" name="矩形 37">
-            <a:extLst>
-              <a:ext uri="{FF2B5EF4-FFF2-40B4-BE49-F238E27FC236}">
-                <a16:creationId xmlns:a16="http://schemas.microsoft.com/office/drawing/2014/main" id="{131F820C-190B-C707-B4E0-130B0F1FD912}"/>
-              </a:ext>
-            </a:extLst>
-          </p:cNvPr>
-          <p:cNvSpPr/>
-          <p:nvPr/>
-        </p:nvSpPr>
-        <p:spPr>
-          <a:xfrm>
-            <a:off x="10986350" y="866963"/>
-            <a:ext cx="180000" cy="36000"/>
-          </a:xfrm>
-          <a:prstGeom prst="rect">
-            <a:avLst/>
-          </a:prstGeom>
-          <a:solidFill>
-            <a:schemeClr val="accent1"/>
-          </a:solidFill>
-          <a:ln>
-            <a:noFill/>
-          </a:ln>
-        </p:spPr>
-        <p:style>
-          <a:lnRef idx="2">
-            <a:schemeClr val="accent1">
-              <a:shade val="15000"/>
-            </a:schemeClr>
-          </a:lnRef>
-          <a:fillRef idx="1">
-            <a:schemeClr val="accent1"/>
-          </a:fillRef>
-          <a:effectRef idx="0">
-            <a:schemeClr val="accent1"/>
-          </a:effectRef>
-          <a:fontRef idx="minor">
-            <a:schemeClr val="lt1"/>
-          </a:fontRef>
-        </p:style>
-        <p:txBody>
-          <a:bodyPr rtlCol="0" anchor="ctr"/>
-          <a:lstStyle/>
-          <a:p>
-            <a:pPr algn="ctr"/>
-            <a:endParaRPr lang="zh-CN" altLang="en-US" dirty="0"/>
-          </a:p>
-        </p:txBody>
-      </p:sp>
-      <p:sp>
-        <p:nvSpPr>
-          <p:cNvPr id="39" name="矩形 38">
-            <a:extLst>
-              <a:ext uri="{FF2B5EF4-FFF2-40B4-BE49-F238E27FC236}">
-                <a16:creationId xmlns:a16="http://schemas.microsoft.com/office/drawing/2014/main" id="{ED1E74C4-1C3F-06A8-B6B3-9F697A2E9DAF}"/>
-              </a:ext>
-            </a:extLst>
-          </p:cNvPr>
-          <p:cNvSpPr/>
-          <p:nvPr/>
-        </p:nvSpPr>
-        <p:spPr>
-          <a:xfrm>
-            <a:off x="11249427" y="866963"/>
-            <a:ext cx="180000" cy="36000"/>
-          </a:xfrm>
-          <a:prstGeom prst="rect">
-            <a:avLst/>
-          </a:prstGeom>
-          <a:solidFill>
-            <a:schemeClr val="tx1"/>
-          </a:solidFill>
-          <a:ln>
-            <a:noFill/>
-          </a:ln>
-        </p:spPr>
-        <p:style>
-          <a:lnRef idx="2">
-            <a:schemeClr val="accent1">
-              <a:shade val="15000"/>
-            </a:schemeClr>
-          </a:lnRef>
-          <a:fillRef idx="1">
-            <a:schemeClr val="accent1"/>
-          </a:fillRef>
-          <a:effectRef idx="0">
-            <a:schemeClr val="accent1"/>
-          </a:effectRef>
-          <a:fontRef idx="minor">
-            <a:schemeClr val="lt1"/>
-          </a:fontRef>
-        </p:style>
-        <p:txBody>
-          <a:bodyPr rtlCol="0" anchor="ctr"/>
-          <a:lstStyle/>
-          <a:p>
-            <a:pPr algn="ctr"/>
-            <a:endParaRPr lang="zh-CN" altLang="en-US" dirty="0"/>
-          </a:p>
-        </p:txBody>
-      </p:sp>
-      <p:sp>
-        <p:nvSpPr>
-          <p:cNvPr id="40" name="矩形 39">
-            <a:extLst>
-              <a:ext uri="{FF2B5EF4-FFF2-40B4-BE49-F238E27FC236}">
-                <a16:creationId xmlns:a16="http://schemas.microsoft.com/office/drawing/2014/main" id="{D7B5D611-8A67-2540-E001-D0B6F98332C2}"/>
-              </a:ext>
-            </a:extLst>
-          </p:cNvPr>
-          <p:cNvSpPr/>
-          <p:nvPr/>
-        </p:nvSpPr>
-        <p:spPr>
-          <a:xfrm>
-            <a:off x="11512504" y="866963"/>
-            <a:ext cx="180000" cy="36000"/>
-          </a:xfrm>
-          <a:prstGeom prst="rect">
-            <a:avLst/>
-          </a:prstGeom>
-          <a:solidFill>
-            <a:schemeClr val="accent1"/>
-          </a:solidFill>
-          <a:ln>
-            <a:noFill/>
-          </a:ln>
-        </p:spPr>
-        <p:style>
-          <a:lnRef idx="2">
-            <a:schemeClr val="accent1">
-              <a:shade val="15000"/>
-            </a:schemeClr>
-          </a:lnRef>
-          <a:fillRef idx="1">
-            <a:schemeClr val="accent1"/>
-          </a:fillRef>
-          <a:effectRef idx="0">
-            <a:schemeClr val="accent1"/>
-          </a:effectRef>
-          <a:fontRef idx="minor">
-            <a:schemeClr val="lt1"/>
-          </a:fontRef>
-        </p:style>
-        <p:txBody>
-          <a:bodyPr rtlCol="0" anchor="ctr"/>
-          <a:lstStyle/>
-          <a:p>
-            <a:pPr algn="ctr"/>
-            <a:endParaRPr lang="zh-CN" altLang="en-US" dirty="0"/>
-          </a:p>
-        </p:txBody>
-      </p:sp>
-      <p:pic>
-        <p:nvPicPr>
-          <p:cNvPr id="8" name="Picture 7">
-            <a:extLst>
-              <a:ext uri="{FF2B5EF4-FFF2-40B4-BE49-F238E27FC236}">
-                <a16:creationId xmlns:a16="http://schemas.microsoft.com/office/drawing/2014/main" id="{B730AB63-1C42-F881-66D0-C98D4D4E1AB2}"/>
-              </a:ext>
-            </a:extLst>
-          </p:cNvPr>
-          <p:cNvPicPr>
-            <a:picLocks noChangeAspect="1"/>
-          </p:cNvPicPr>
-          <p:nvPr/>
-        </p:nvPicPr>
-        <p:blipFill>
-          <a:blip r:embed="rId2"/>
-          <a:stretch>
-            <a:fillRect/>
-          </a:stretch>
-        </p:blipFill>
-        <p:spPr>
-          <a:xfrm>
-            <a:off x="3258447" y="464351"/>
-            <a:ext cx="5944430" cy="1686160"/>
-          </a:xfrm>
-          <a:prstGeom prst="rect">
-            <a:avLst/>
-          </a:prstGeom>
-        </p:spPr>
-      </p:pic>
-      <p:pic>
-        <p:nvPicPr>
-          <p:cNvPr id="15" name="Picture 14">
-            <a:extLst>
-              <a:ext uri="{FF2B5EF4-FFF2-40B4-BE49-F238E27FC236}">
-                <a16:creationId xmlns:a16="http://schemas.microsoft.com/office/drawing/2014/main" id="{0E8F9557-00AE-CCF5-ECE9-CF18C3CD600F}"/>
-              </a:ext>
-            </a:extLst>
-          </p:cNvPr>
-          <p:cNvPicPr>
-            <a:picLocks noChangeAspect="1"/>
-          </p:cNvPicPr>
-          <p:nvPr/>
-        </p:nvPicPr>
-        <p:blipFill>
-          <a:blip r:embed="rId3"/>
-          <a:stretch>
-            <a:fillRect/>
-          </a:stretch>
-        </p:blipFill>
-        <p:spPr>
-          <a:xfrm>
-            <a:off x="3334657" y="4197831"/>
-            <a:ext cx="5944429" cy="1046141"/>
-          </a:xfrm>
-          <a:prstGeom prst="rect">
-            <a:avLst/>
-          </a:prstGeom>
-        </p:spPr>
-      </p:pic>
-      <p:pic>
-        <p:nvPicPr>
-          <p:cNvPr id="17" name="Picture 16">
-            <a:extLst>
-              <a:ext uri="{FF2B5EF4-FFF2-40B4-BE49-F238E27FC236}">
-                <a16:creationId xmlns:a16="http://schemas.microsoft.com/office/drawing/2014/main" id="{C6348D4C-6903-1D9D-68C0-8E1C21B34760}"/>
-              </a:ext>
-            </a:extLst>
-          </p:cNvPr>
-          <p:cNvPicPr>
-            <a:picLocks noChangeAspect="1"/>
-          </p:cNvPicPr>
-          <p:nvPr/>
-        </p:nvPicPr>
-        <p:blipFill>
-          <a:blip r:embed="rId4"/>
-          <a:stretch>
-            <a:fillRect/>
-          </a:stretch>
-        </p:blipFill>
-        <p:spPr>
-          <a:xfrm>
-            <a:off x="3572798" y="2704345"/>
-            <a:ext cx="4808660" cy="795133"/>
-          </a:xfrm>
-          <a:prstGeom prst="rect">
-            <a:avLst/>
-          </a:prstGeom>
-        </p:spPr>
-      </p:pic>
     </p:spTree>
     <p:extLst>
       <p:ext uri="{BB962C8B-B14F-4D97-AF65-F5344CB8AC3E}">
-        <p14:creationId xmlns:p14="http://schemas.microsoft.com/office/powerpoint/2010/main" val="3304331897"/>
+        <p14:creationId xmlns:p14="http://schemas.microsoft.com/office/powerpoint/2010/main" val="4185713218"/>
       </p:ext>
     </p:extLst>
   </p:cSld>
@@ -45010,7 +45385,7 @@
                             </p:stCondLst>
                             <p:childTnLst>
                               <p:par>
-                                <p:cTn id="5" presetID="42" presetClass="entr" presetSubtype="0" fill="hold" nodeType="clickEffect">
+                                <p:cTn id="5" presetID="42" presetClass="entr" presetSubtype="0" fill="hold" grpId="0" nodeType="clickEffect">
                                   <p:stCondLst>
                                     <p:cond delay="0"/>
                                   </p:stCondLst>
@@ -45023,7 +45398,7 @@
                                           </p:stCondLst>
                                         </p:cTn>
                                         <p:tgtEl>
-                                          <p:spTgt spid="8"/>
+                                          <p:spTgt spid="61"/>
                                         </p:tgtEl>
                                         <p:attrNameLst>
                                           <p:attrName>style.visibility</p:attrName>
@@ -45037,7 +45412,7 @@
                                       <p:cBhvr>
                                         <p:cTn id="7" dur="1000"/>
                                         <p:tgtEl>
-                                          <p:spTgt spid="8"/>
+                                          <p:spTgt spid="61"/>
                                         </p:tgtEl>
                                       </p:cBhvr>
                                     </p:animEffect>
@@ -45045,7 +45420,7 @@
                                       <p:cBhvr>
                                         <p:cTn id="8" dur="1000" fill="hold"/>
                                         <p:tgtEl>
-                                          <p:spTgt spid="8"/>
+                                          <p:spTgt spid="61"/>
                                         </p:tgtEl>
                                         <p:attrNameLst>
                                           <p:attrName>ppt_x</p:attrName>
@@ -45068,205 +45443,7 @@
                                       <p:cBhvr>
                                         <p:cTn id="9" dur="1000" fill="hold"/>
                                         <p:tgtEl>
-                                          <p:spTgt spid="8"/>
-                                        </p:tgtEl>
-                                        <p:attrNameLst>
-                                          <p:attrName>ppt_y</p:attrName>
-                                        </p:attrNameLst>
-                                      </p:cBhvr>
-                                      <p:tavLst>
-                                        <p:tav tm="0">
-                                          <p:val>
-                                            <p:strVal val="#ppt_y+.1"/>
-                                          </p:val>
-                                        </p:tav>
-                                        <p:tav tm="100000">
-                                          <p:val>
-                                            <p:strVal val="#ppt_y"/>
-                                          </p:val>
-                                        </p:tav>
-                                      </p:tavLst>
-                                    </p:anim>
-                                  </p:childTnLst>
-                                </p:cTn>
-                              </p:par>
-                            </p:childTnLst>
-                          </p:cTn>
-                        </p:par>
-                      </p:childTnLst>
-                    </p:cTn>
-                  </p:par>
-                  <p:par>
-                    <p:cTn id="10" fill="hold">
-                      <p:stCondLst>
-                        <p:cond delay="indefinite"/>
-                      </p:stCondLst>
-                      <p:childTnLst>
-                        <p:par>
-                          <p:cTn id="11" fill="hold">
-                            <p:stCondLst>
-                              <p:cond delay="0"/>
-                            </p:stCondLst>
-                            <p:childTnLst>
-                              <p:par>
-                                <p:cTn id="12" presetID="42" presetClass="entr" presetSubtype="0" fill="hold" nodeType="clickEffect">
-                                  <p:stCondLst>
-                                    <p:cond delay="0"/>
-                                  </p:stCondLst>
-                                  <p:childTnLst>
-                                    <p:set>
-                                      <p:cBhvr>
-                                        <p:cTn id="13" dur="1" fill="hold">
-                                          <p:stCondLst>
-                                            <p:cond delay="0"/>
-                                          </p:stCondLst>
-                                        </p:cTn>
-                                        <p:tgtEl>
-                                          <p:spTgt spid="17"/>
-                                        </p:tgtEl>
-                                        <p:attrNameLst>
-                                          <p:attrName>style.visibility</p:attrName>
-                                        </p:attrNameLst>
-                                      </p:cBhvr>
-                                      <p:to>
-                                        <p:strVal val="visible"/>
-                                      </p:to>
-                                    </p:set>
-                                    <p:animEffect transition="in" filter="fade">
-                                      <p:cBhvr>
-                                        <p:cTn id="14" dur="1000"/>
-                                        <p:tgtEl>
-                                          <p:spTgt spid="17"/>
-                                        </p:tgtEl>
-                                      </p:cBhvr>
-                                    </p:animEffect>
-                                    <p:anim calcmode="lin" valueType="num">
-                                      <p:cBhvr>
-                                        <p:cTn id="15" dur="1000" fill="hold"/>
-                                        <p:tgtEl>
-                                          <p:spTgt spid="17"/>
-                                        </p:tgtEl>
-                                        <p:attrNameLst>
-                                          <p:attrName>ppt_x</p:attrName>
-                                        </p:attrNameLst>
-                                      </p:cBhvr>
-                                      <p:tavLst>
-                                        <p:tav tm="0">
-                                          <p:val>
-                                            <p:strVal val="#ppt_x"/>
-                                          </p:val>
-                                        </p:tav>
-                                        <p:tav tm="100000">
-                                          <p:val>
-                                            <p:strVal val="#ppt_x"/>
-                                          </p:val>
-                                        </p:tav>
-                                      </p:tavLst>
-                                    </p:anim>
-                                    <p:anim calcmode="lin" valueType="num">
-                                      <p:cBhvr>
-                                        <p:cTn id="16" dur="1000" fill="hold"/>
-                                        <p:tgtEl>
-                                          <p:spTgt spid="17"/>
-                                        </p:tgtEl>
-                                        <p:attrNameLst>
-                                          <p:attrName>ppt_y</p:attrName>
-                                        </p:attrNameLst>
-                                      </p:cBhvr>
-                                      <p:tavLst>
-                                        <p:tav tm="0">
-                                          <p:val>
-                                            <p:strVal val="#ppt_y+.1"/>
-                                          </p:val>
-                                        </p:tav>
-                                        <p:tav tm="100000">
-                                          <p:val>
-                                            <p:strVal val="#ppt_y"/>
-                                          </p:val>
-                                        </p:tav>
-                                      </p:tavLst>
-                                    </p:anim>
-                                  </p:childTnLst>
-                                </p:cTn>
-                              </p:par>
-                            </p:childTnLst>
-                          </p:cTn>
-                        </p:par>
-                      </p:childTnLst>
-                    </p:cTn>
-                  </p:par>
-                  <p:par>
-                    <p:cTn id="17" fill="hold">
-                      <p:stCondLst>
-                        <p:cond delay="indefinite"/>
-                      </p:stCondLst>
-                      <p:childTnLst>
-                        <p:par>
-                          <p:cTn id="18" fill="hold">
-                            <p:stCondLst>
-                              <p:cond delay="0"/>
-                            </p:stCondLst>
-                            <p:childTnLst>
-                              <p:par>
-                                <p:cTn id="19" presetID="42" presetClass="entr" presetSubtype="0" fill="hold" nodeType="clickEffect">
-                                  <p:stCondLst>
-                                    <p:cond delay="0"/>
-                                  </p:stCondLst>
-                                  <p:childTnLst>
-                                    <p:set>
-                                      <p:cBhvr>
-                                        <p:cTn id="20" dur="1" fill="hold">
-                                          <p:stCondLst>
-                                            <p:cond delay="0"/>
-                                          </p:stCondLst>
-                                        </p:cTn>
-                                        <p:tgtEl>
-                                          <p:spTgt spid="15"/>
-                                        </p:tgtEl>
-                                        <p:attrNameLst>
-                                          <p:attrName>style.visibility</p:attrName>
-                                        </p:attrNameLst>
-                                      </p:cBhvr>
-                                      <p:to>
-                                        <p:strVal val="visible"/>
-                                      </p:to>
-                                    </p:set>
-                                    <p:animEffect transition="in" filter="fade">
-                                      <p:cBhvr>
-                                        <p:cTn id="21" dur="1000"/>
-                                        <p:tgtEl>
-                                          <p:spTgt spid="15"/>
-                                        </p:tgtEl>
-                                      </p:cBhvr>
-                                    </p:animEffect>
-                                    <p:anim calcmode="lin" valueType="num">
-                                      <p:cBhvr>
-                                        <p:cTn id="22" dur="1000" fill="hold"/>
-                                        <p:tgtEl>
-                                          <p:spTgt spid="15"/>
-                                        </p:tgtEl>
-                                        <p:attrNameLst>
-                                          <p:attrName>ppt_x</p:attrName>
-                                        </p:attrNameLst>
-                                      </p:cBhvr>
-                                      <p:tavLst>
-                                        <p:tav tm="0">
-                                          <p:val>
-                                            <p:strVal val="#ppt_x"/>
-                                          </p:val>
-                                        </p:tav>
-                                        <p:tav tm="100000">
-                                          <p:val>
-                                            <p:strVal val="#ppt_x"/>
-                                          </p:val>
-                                        </p:tav>
-                                      </p:tavLst>
-                                    </p:anim>
-                                    <p:anim calcmode="lin" valueType="num">
-                                      <p:cBhvr>
-                                        <p:cTn id="23" dur="1000" fill="hold"/>
-                                        <p:tgtEl>
-                                          <p:spTgt spid="15"/>
+                                          <p:spTgt spid="61"/>
                                         </p:tgtEl>
                                         <p:attrNameLst>
                                           <p:attrName>ppt_y</p:attrName>
@@ -45315,6 +45492,9 @@
         </p:cTn>
       </p:par>
     </p:tnLst>
+    <p:bldLst>
+      <p:bldP spid="61" grpId="0"/>
+    </p:bldLst>
   </p:timing>
 </p:sld>
 </file>

--- a/presentation_Git.pptx
+++ b/presentation_Git.pptx
@@ -11,10 +11,10 @@
     <p:sldId id="286" r:id="rId5"/>
     <p:sldId id="282" r:id="rId6"/>
     <p:sldId id="287" r:id="rId7"/>
-    <p:sldId id="278" r:id="rId8"/>
-    <p:sldId id="283" r:id="rId9"/>
-    <p:sldId id="288" r:id="rId10"/>
-    <p:sldId id="289" r:id="rId11"/>
+    <p:sldId id="289" r:id="rId8"/>
+    <p:sldId id="278" r:id="rId9"/>
+    <p:sldId id="283" r:id="rId10"/>
+    <p:sldId id="288" r:id="rId11"/>
     <p:sldId id="290" r:id="rId12"/>
     <p:sldId id="291" r:id="rId13"/>
     <p:sldId id="292" r:id="rId14"/>
@@ -3934,6 +3934,18 @@
   <p:clrMapOvr>
     <a:masterClrMapping/>
   </p:clrMapOvr>
+  <mc:AlternateContent xmlns:mc="http://schemas.openxmlformats.org/markup-compatibility/2006">
+    <mc:Choice xmlns:p159="http://schemas.microsoft.com/office/powerpoint/2015/09/main" Requires="p159">
+      <p:transition xmlns:p14="http://schemas.microsoft.com/office/powerpoint/2010/main" spd="slow" p14:dur="2000">
+        <p159:morph option="byObject"/>
+      </p:transition>
+    </mc:Choice>
+    <mc:Fallback>
+      <p:transition spd="slow">
+        <p:fade/>
+      </p:transition>
+    </mc:Fallback>
+  </mc:AlternateContent>
 </p:sldLayout>
 </file>
 
@@ -4097,6 +4109,18 @@
   <p:clrMapOvr>
     <a:masterClrMapping/>
   </p:clrMapOvr>
+  <mc:AlternateContent xmlns:mc="http://schemas.openxmlformats.org/markup-compatibility/2006">
+    <mc:Choice xmlns:p159="http://schemas.microsoft.com/office/powerpoint/2015/09/main" Requires="p159">
+      <p:transition xmlns:p14="http://schemas.microsoft.com/office/powerpoint/2010/main" spd="slow" p14:dur="2000">
+        <p159:morph option="byObject"/>
+      </p:transition>
+    </mc:Choice>
+    <mc:Fallback>
+      <p:transition spd="slow">
+        <p:fade/>
+      </p:transition>
+    </mc:Fallback>
+  </mc:AlternateContent>
 </p:sldLayout>
 </file>
 
@@ -4270,6 +4294,18 @@
   <p:clrMapOvr>
     <a:masterClrMapping/>
   </p:clrMapOvr>
+  <mc:AlternateContent xmlns:mc="http://schemas.openxmlformats.org/markup-compatibility/2006">
+    <mc:Choice xmlns:p159="http://schemas.microsoft.com/office/powerpoint/2015/09/main" Requires="p159">
+      <p:transition xmlns:p14="http://schemas.microsoft.com/office/powerpoint/2010/main" spd="slow" p14:dur="2000">
+        <p159:morph option="byObject"/>
+      </p:transition>
+    </mc:Choice>
+    <mc:Fallback>
+      <p:transition spd="slow">
+        <p:fade/>
+      </p:transition>
+    </mc:Fallback>
+  </mc:AlternateContent>
 </p:sldLayout>
 </file>
 
@@ -4433,6 +4469,18 @@
   <p:clrMapOvr>
     <a:masterClrMapping/>
   </p:clrMapOvr>
+  <mc:AlternateContent xmlns:mc="http://schemas.openxmlformats.org/markup-compatibility/2006">
+    <mc:Choice xmlns:p159="http://schemas.microsoft.com/office/powerpoint/2015/09/main" Requires="p159">
+      <p:transition xmlns:p14="http://schemas.microsoft.com/office/powerpoint/2010/main" spd="slow" p14:dur="2000">
+        <p159:morph option="byObject"/>
+      </p:transition>
+    </mc:Choice>
+    <mc:Fallback>
+      <p:transition spd="slow">
+        <p:fade/>
+      </p:transition>
+    </mc:Fallback>
+  </mc:AlternateContent>
 </p:sldLayout>
 </file>
 
@@ -4673,6 +4721,18 @@
   <p:clrMapOvr>
     <a:masterClrMapping/>
   </p:clrMapOvr>
+  <mc:AlternateContent xmlns:mc="http://schemas.openxmlformats.org/markup-compatibility/2006">
+    <mc:Choice xmlns:p159="http://schemas.microsoft.com/office/powerpoint/2015/09/main" Requires="p159">
+      <p:transition xmlns:p14="http://schemas.microsoft.com/office/powerpoint/2010/main" spd="slow" p14:dur="2000">
+        <p159:morph option="byObject"/>
+      </p:transition>
+    </mc:Choice>
+    <mc:Fallback>
+      <p:transition spd="slow">
+        <p:fade/>
+      </p:transition>
+    </mc:Fallback>
+  </mc:AlternateContent>
 </p:sldLayout>
 </file>
 
@@ -4897,6 +4957,18 @@
   <p:clrMapOvr>
     <a:masterClrMapping/>
   </p:clrMapOvr>
+  <mc:AlternateContent xmlns:mc="http://schemas.openxmlformats.org/markup-compatibility/2006">
+    <mc:Choice xmlns:p159="http://schemas.microsoft.com/office/powerpoint/2015/09/main" Requires="p159">
+      <p:transition xmlns:p14="http://schemas.microsoft.com/office/powerpoint/2010/main" spd="slow" p14:dur="2000">
+        <p159:morph option="byObject"/>
+      </p:transition>
+    </mc:Choice>
+    <mc:Fallback>
+      <p:transition spd="slow">
+        <p:fade/>
+      </p:transition>
+    </mc:Fallback>
+  </mc:AlternateContent>
 </p:sldLayout>
 </file>
 
@@ -5256,6 +5328,18 @@
   <p:clrMapOvr>
     <a:masterClrMapping/>
   </p:clrMapOvr>
+  <mc:AlternateContent xmlns:mc="http://schemas.openxmlformats.org/markup-compatibility/2006">
+    <mc:Choice xmlns:p159="http://schemas.microsoft.com/office/powerpoint/2015/09/main" Requires="p159">
+      <p:transition xmlns:p14="http://schemas.microsoft.com/office/powerpoint/2010/main" spd="slow" p14:dur="2000">
+        <p159:morph option="byObject"/>
+      </p:transition>
+    </mc:Choice>
+    <mc:Fallback>
+      <p:transition spd="slow">
+        <p:fade/>
+      </p:transition>
+    </mc:Fallback>
+  </mc:AlternateContent>
 </p:sldLayout>
 </file>
 
@@ -5368,6 +5452,18 @@
   <p:clrMapOvr>
     <a:masterClrMapping/>
   </p:clrMapOvr>
+  <mc:AlternateContent xmlns:mc="http://schemas.openxmlformats.org/markup-compatibility/2006">
+    <mc:Choice xmlns:p159="http://schemas.microsoft.com/office/powerpoint/2015/09/main" Requires="p159">
+      <p:transition xmlns:p14="http://schemas.microsoft.com/office/powerpoint/2010/main" spd="slow" p14:dur="2000">
+        <p159:morph option="byObject"/>
+      </p:transition>
+    </mc:Choice>
+    <mc:Fallback>
+      <p:transition spd="slow">
+        <p:fade/>
+      </p:transition>
+    </mc:Fallback>
+  </mc:AlternateContent>
 </p:sldLayout>
 </file>
 
@@ -5458,6 +5554,18 @@
   <p:clrMapOvr>
     <a:masterClrMapping/>
   </p:clrMapOvr>
+  <mc:AlternateContent xmlns:mc="http://schemas.openxmlformats.org/markup-compatibility/2006">
+    <mc:Choice xmlns:p159="http://schemas.microsoft.com/office/powerpoint/2015/09/main" Requires="p159">
+      <p:transition xmlns:p14="http://schemas.microsoft.com/office/powerpoint/2010/main" spd="slow" p14:dur="2000">
+        <p159:morph option="byObject"/>
+      </p:transition>
+    </mc:Choice>
+    <mc:Fallback>
+      <p:transition spd="slow">
+        <p:fade/>
+      </p:transition>
+    </mc:Fallback>
+  </mc:AlternateContent>
 </p:sldLayout>
 </file>
 
@@ -5728,6 +5836,18 @@
   <p:clrMapOvr>
     <a:masterClrMapping/>
   </p:clrMapOvr>
+  <mc:AlternateContent xmlns:mc="http://schemas.openxmlformats.org/markup-compatibility/2006">
+    <mc:Choice xmlns:p159="http://schemas.microsoft.com/office/powerpoint/2015/09/main" Requires="p159">
+      <p:transition xmlns:p14="http://schemas.microsoft.com/office/powerpoint/2010/main" spd="slow" p14:dur="2000">
+        <p159:morph option="byObject"/>
+      </p:transition>
+    </mc:Choice>
+    <mc:Fallback>
+      <p:transition spd="slow">
+        <p:fade/>
+      </p:transition>
+    </mc:Fallback>
+  </mc:AlternateContent>
 </p:sldLayout>
 </file>
 
@@ -5975,6 +6095,18 @@
   <p:clrMapOvr>
     <a:masterClrMapping/>
   </p:clrMapOvr>
+  <mc:AlternateContent xmlns:mc="http://schemas.openxmlformats.org/markup-compatibility/2006">
+    <mc:Choice xmlns:p159="http://schemas.microsoft.com/office/powerpoint/2015/09/main" Requires="p159">
+      <p:transition xmlns:p14="http://schemas.microsoft.com/office/powerpoint/2010/main" spd="slow" p14:dur="2000">
+        <p159:morph option="byObject"/>
+      </p:transition>
+    </mc:Choice>
+    <mc:Fallback>
+      <p:transition spd="slow">
+        <p:fade/>
+      </p:transition>
+    </mc:Fallback>
+  </mc:AlternateContent>
 </p:sldLayout>
 </file>
 
@@ -6228,6 +6360,18 @@
     <p:sldLayoutId id="2147483658" r:id="rId10"/>
     <p:sldLayoutId id="2147483659" r:id="rId11"/>
   </p:sldLayoutIdLst>
+  <mc:AlternateContent xmlns:mc="http://schemas.openxmlformats.org/markup-compatibility/2006">
+    <mc:Choice xmlns:p159="http://schemas.microsoft.com/office/powerpoint/2015/09/main" Requires="p159">
+      <p:transition xmlns:p14="http://schemas.microsoft.com/office/powerpoint/2010/main" spd="slow" p14:dur="2000">
+        <p159:morph option="byObject"/>
+      </p:transition>
+    </mc:Choice>
+    <mc:Fallback>
+      <p:transition spd="slow">
+        <p:fade/>
+      </p:transition>
+    </mc:Fallback>
+  </mc:AlternateContent>
   <p:txStyles>
     <p:titleStyle>
       <a:lvl1pPr algn="l" defTabSz="914400" rtl="0" eaLnBrk="1" latinLnBrk="0" hangingPunct="1">
@@ -12762,6 +12906,18 @@
   <p:clrMapOvr>
     <a:masterClrMapping/>
   </p:clrMapOvr>
+  <mc:AlternateContent xmlns:mc="http://schemas.openxmlformats.org/markup-compatibility/2006">
+    <mc:Choice xmlns:p159="http://schemas.microsoft.com/office/powerpoint/2015/09/main" Requires="p159">
+      <p:transition xmlns:p14="http://schemas.microsoft.com/office/powerpoint/2010/main" spd="slow" p14:dur="2000">
+        <p159:morph option="byObject"/>
+      </p:transition>
+    </mc:Choice>
+    <mc:Fallback>
+      <p:transition spd="slow">
+        <p:fade/>
+      </p:transition>
+    </mc:Fallback>
+  </mc:AlternateContent>
 </p:sld>
 </file>
 
@@ -12773,7 +12929,7 @@
         <p:cNvPr id="1" name="">
           <a:extLst>
             <a:ext uri="{FF2B5EF4-FFF2-40B4-BE49-F238E27FC236}">
-              <a16:creationId xmlns:a16="http://schemas.microsoft.com/office/drawing/2014/main" id="{1167372B-A9BD-873F-A110-FE62B76D4EB7}"/>
+              <a16:creationId xmlns:a16="http://schemas.microsoft.com/office/drawing/2014/main" id="{3809C928-3E94-A6DE-C53D-22EBC8E18143}"/>
             </a:ext>
           </a:extLst>
         </p:cNvPr>
@@ -12793,7 +12949,7 @@
           <p:cNvPr id="46" name="任意多边形: 形状 45">
             <a:extLst>
               <a:ext uri="{FF2B5EF4-FFF2-40B4-BE49-F238E27FC236}">
-                <a16:creationId xmlns:a16="http://schemas.microsoft.com/office/drawing/2014/main" id="{C19602B1-8DF5-57FF-CFCB-F00EBDCCAE38}"/>
+                <a16:creationId xmlns:a16="http://schemas.microsoft.com/office/drawing/2014/main" id="{6EF23D7B-846E-2585-8858-8B179B563C89}"/>
               </a:ext>
             </a:extLst>
           </p:cNvPr>
@@ -13423,7 +13579,7 @@
           <p:cNvPr id="47" name="任意多边形: 形状 46">
             <a:extLst>
               <a:ext uri="{FF2B5EF4-FFF2-40B4-BE49-F238E27FC236}">
-                <a16:creationId xmlns:a16="http://schemas.microsoft.com/office/drawing/2014/main" id="{149E443D-A224-43E4-B2E7-8A4F3A429B28}"/>
+                <a16:creationId xmlns:a16="http://schemas.microsoft.com/office/drawing/2014/main" id="{532ABC2C-3924-37E4-CA61-FDEDE787FA6F}"/>
               </a:ext>
             </a:extLst>
           </p:cNvPr>
@@ -13550,16 +13706,58 @@
           </a:p>
         </p:txBody>
       </p:sp>
+      <p:pic>
+        <p:nvPicPr>
+          <p:cNvPr id="4" name="Picture 3">
+            <a:extLst>
+              <a:ext uri="{FF2B5EF4-FFF2-40B4-BE49-F238E27FC236}">
+                <a16:creationId xmlns:a16="http://schemas.microsoft.com/office/drawing/2014/main" id="{518A9A16-D6D9-FC28-63DE-AF1B4956B3D9}"/>
+              </a:ext>
+            </a:extLst>
+          </p:cNvPr>
+          <p:cNvPicPr>
+            <a:picLocks noChangeAspect="1"/>
+          </p:cNvPicPr>
+          <p:nvPr/>
+        </p:nvPicPr>
+        <p:blipFill>
+          <a:blip r:embed="rId2"/>
+          <a:stretch>
+            <a:fillRect/>
+          </a:stretch>
+        </p:blipFill>
+        <p:spPr>
+          <a:xfrm>
+            <a:off x="896204" y="346483"/>
+            <a:ext cx="9701692" cy="5786975"/>
+          </a:xfrm>
+          <a:prstGeom prst="rect">
+            <a:avLst/>
+          </a:prstGeom>
+        </p:spPr>
+      </p:pic>
     </p:spTree>
     <p:extLst>
       <p:ext uri="{BB962C8B-B14F-4D97-AF65-F5344CB8AC3E}">
-        <p14:creationId xmlns:p14="http://schemas.microsoft.com/office/powerpoint/2010/main" val="1107726013"/>
+        <p14:creationId xmlns:p14="http://schemas.microsoft.com/office/powerpoint/2010/main" val="2055763832"/>
       </p:ext>
     </p:extLst>
   </p:cSld>
   <p:clrMapOvr>
     <a:masterClrMapping/>
   </p:clrMapOvr>
+  <mc:AlternateContent xmlns:mc="http://schemas.openxmlformats.org/markup-compatibility/2006">
+    <mc:Choice xmlns:p159="http://schemas.microsoft.com/office/powerpoint/2015/09/main" Requires="p159">
+      <p:transition xmlns:p14="http://schemas.microsoft.com/office/powerpoint/2010/main" spd="slow" p14:dur="2000">
+        <p159:morph option="byObject"/>
+      </p:transition>
+    </mc:Choice>
+    <mc:Fallback>
+      <p:transition spd="slow">
+        <p:fade/>
+      </p:transition>
+    </mc:Fallback>
+  </mc:AlternateContent>
 </p:sld>
 </file>
 
@@ -14358,6 +14556,18 @@
   <p:clrMapOvr>
     <a:masterClrMapping/>
   </p:clrMapOvr>
+  <mc:AlternateContent xmlns:mc="http://schemas.openxmlformats.org/markup-compatibility/2006">
+    <mc:Choice xmlns:p159="http://schemas.microsoft.com/office/powerpoint/2015/09/main" Requires="p159">
+      <p:transition xmlns:p14="http://schemas.microsoft.com/office/powerpoint/2010/main" spd="slow" p14:dur="2000">
+        <p159:morph option="byObject"/>
+      </p:transition>
+    </mc:Choice>
+    <mc:Fallback>
+      <p:transition spd="slow">
+        <p:fade/>
+      </p:transition>
+    </mc:Fallback>
+  </mc:AlternateContent>
 </p:sld>
 </file>
 
@@ -15156,6 +15366,18 @@
   <p:clrMapOvr>
     <a:masterClrMapping/>
   </p:clrMapOvr>
+  <mc:AlternateContent xmlns:mc="http://schemas.openxmlformats.org/markup-compatibility/2006">
+    <mc:Choice xmlns:p159="http://schemas.microsoft.com/office/powerpoint/2015/09/main" Requires="p159">
+      <p:transition xmlns:p14="http://schemas.microsoft.com/office/powerpoint/2010/main" spd="slow" p14:dur="2000">
+        <p159:morph option="byObject"/>
+      </p:transition>
+    </mc:Choice>
+    <mc:Fallback>
+      <p:transition spd="slow">
+        <p:fade/>
+      </p:transition>
+    </mc:Fallback>
+  </mc:AlternateContent>
 </p:sld>
 </file>
 
@@ -15954,6 +16176,18 @@
   <p:clrMapOvr>
     <a:masterClrMapping/>
   </p:clrMapOvr>
+  <mc:AlternateContent xmlns:mc="http://schemas.openxmlformats.org/markup-compatibility/2006">
+    <mc:Choice xmlns:p159="http://schemas.microsoft.com/office/powerpoint/2015/09/main" Requires="p159">
+      <p:transition xmlns:p14="http://schemas.microsoft.com/office/powerpoint/2010/main" spd="slow" p14:dur="2000">
+        <p159:morph option="byObject"/>
+      </p:transition>
+    </mc:Choice>
+    <mc:Fallback>
+      <p:transition spd="slow">
+        <p:fade/>
+      </p:transition>
+    </mc:Fallback>
+  </mc:AlternateContent>
 </p:sld>
 </file>
 
@@ -16313,6 +16547,18 @@
   <p:clrMapOvr>
     <a:masterClrMapping/>
   </p:clrMapOvr>
+  <mc:AlternateContent xmlns:mc="http://schemas.openxmlformats.org/markup-compatibility/2006">
+    <mc:Choice xmlns:p159="http://schemas.microsoft.com/office/powerpoint/2015/09/main" Requires="p159">
+      <p:transition xmlns:p14="http://schemas.microsoft.com/office/powerpoint/2010/main" spd="slow" p14:dur="2000">
+        <p159:morph option="byObject"/>
+      </p:transition>
+    </mc:Choice>
+    <mc:Fallback>
+      <p:transition spd="slow">
+        <p:fade/>
+      </p:transition>
+    </mc:Fallback>
+  </mc:AlternateContent>
   <p:timing>
     <p:tnLst>
       <p:par>
@@ -16794,6 +17040,18 @@
   <p:clrMapOvr>
     <a:masterClrMapping/>
   </p:clrMapOvr>
+  <mc:AlternateContent xmlns:mc="http://schemas.openxmlformats.org/markup-compatibility/2006">
+    <mc:Choice xmlns:p159="http://schemas.microsoft.com/office/powerpoint/2015/09/main" Requires="p159">
+      <p:transition xmlns:p14="http://schemas.microsoft.com/office/powerpoint/2010/main" spd="slow" p14:dur="2000">
+        <p159:morph option="byObject"/>
+      </p:transition>
+    </mc:Choice>
+    <mc:Fallback>
+      <p:transition spd="slow">
+        <p:fade/>
+      </p:transition>
+    </mc:Fallback>
+  </mc:AlternateContent>
   <p:timing>
     <p:tnLst>
       <p:par>
@@ -17078,6 +17336,18 @@
   <p:clrMapOvr>
     <a:masterClrMapping/>
   </p:clrMapOvr>
+  <mc:AlternateContent xmlns:mc="http://schemas.openxmlformats.org/markup-compatibility/2006">
+    <mc:Choice xmlns:p159="http://schemas.microsoft.com/office/powerpoint/2015/09/main" Requires="p159">
+      <p:transition xmlns:p14="http://schemas.microsoft.com/office/powerpoint/2010/main" spd="slow" p14:dur="2000">
+        <p159:morph option="byObject"/>
+      </p:transition>
+    </mc:Choice>
+    <mc:Fallback>
+      <p:transition spd="slow">
+        <p:fade/>
+      </p:transition>
+    </mc:Fallback>
+  </mc:AlternateContent>
 </p:sld>
 </file>
 
@@ -17746,6 +18016,18 @@
   <p:clrMapOvr>
     <a:masterClrMapping/>
   </p:clrMapOvr>
+  <mc:AlternateContent xmlns:mc="http://schemas.openxmlformats.org/markup-compatibility/2006">
+    <mc:Choice xmlns:p159="http://schemas.microsoft.com/office/powerpoint/2015/09/main" Requires="p159">
+      <p:transition xmlns:p14="http://schemas.microsoft.com/office/powerpoint/2010/main" spd="slow" p14:dur="2000">
+        <p159:morph option="byObject"/>
+      </p:transition>
+    </mc:Choice>
+    <mc:Fallback>
+      <p:transition spd="slow">
+        <p:fade/>
+      </p:transition>
+    </mc:Fallback>
+  </mc:AlternateContent>
 </p:sld>
 </file>
 
@@ -18008,6 +18290,18 @@
   <p:clrMapOvr>
     <a:masterClrMapping/>
   </p:clrMapOvr>
+  <mc:AlternateContent xmlns:mc="http://schemas.openxmlformats.org/markup-compatibility/2006">
+    <mc:Choice xmlns:p159="http://schemas.microsoft.com/office/powerpoint/2015/09/main" Requires="p159">
+      <p:transition xmlns:p14="http://schemas.microsoft.com/office/powerpoint/2010/main" spd="slow" p14:dur="2000">
+        <p159:morph option="byObject"/>
+      </p:transition>
+    </mc:Choice>
+    <mc:Fallback>
+      <p:transition spd="slow">
+        <p:fade/>
+      </p:transition>
+    </mc:Fallback>
+  </mc:AlternateContent>
 </p:sld>
 </file>
 
@@ -18435,6 +18729,18 @@
   <p:clrMapOvr>
     <a:masterClrMapping/>
   </p:clrMapOvr>
+  <mc:AlternateContent xmlns:mc="http://schemas.openxmlformats.org/markup-compatibility/2006">
+    <mc:Choice xmlns:p159="http://schemas.microsoft.com/office/powerpoint/2015/09/main" Requires="p159">
+      <p:transition xmlns:p14="http://schemas.microsoft.com/office/powerpoint/2010/main" spd="slow" p14:dur="2000">
+        <p159:morph option="byObject"/>
+      </p:transition>
+    </mc:Choice>
+    <mc:Fallback>
+      <p:transition spd="slow">
+        <p:fade/>
+      </p:transition>
+    </mc:Fallback>
+  </mc:AlternateContent>
 </p:sld>
 </file>
 
@@ -18794,6 +19100,18 @@
   <p:clrMapOvr>
     <a:masterClrMapping/>
   </p:clrMapOvr>
+  <mc:AlternateContent xmlns:mc="http://schemas.openxmlformats.org/markup-compatibility/2006">
+    <mc:Choice xmlns:p159="http://schemas.microsoft.com/office/powerpoint/2015/09/main" Requires="p159">
+      <p:transition xmlns:p14="http://schemas.microsoft.com/office/powerpoint/2010/main" spd="slow" p14:dur="2000">
+        <p159:morph option="byObject"/>
+      </p:transition>
+    </mc:Choice>
+    <mc:Fallback>
+      <p:transition spd="slow">
+        <p:fade/>
+      </p:transition>
+    </mc:Fallback>
+  </mc:AlternateContent>
 </p:sld>
 </file>
 
@@ -19354,6 +19672,18 @@
   <p:clrMapOvr>
     <a:masterClrMapping/>
   </p:clrMapOvr>
+  <mc:AlternateContent xmlns:mc="http://schemas.openxmlformats.org/markup-compatibility/2006">
+    <mc:Choice xmlns:p159="http://schemas.microsoft.com/office/powerpoint/2015/09/main" Requires="p159">
+      <p:transition xmlns:p14="http://schemas.microsoft.com/office/powerpoint/2010/main" spd="slow" p14:dur="2000">
+        <p159:morph option="byObject"/>
+      </p:transition>
+    </mc:Choice>
+    <mc:Fallback>
+      <p:transition spd="slow">
+        <p:fade/>
+      </p:transition>
+    </mc:Fallback>
+  </mc:AlternateContent>
 </p:sld>
 </file>
 
@@ -19574,6 +19904,18 @@
   <p:clrMapOvr>
     <a:masterClrMapping/>
   </p:clrMapOvr>
+  <mc:AlternateContent xmlns:mc="http://schemas.openxmlformats.org/markup-compatibility/2006">
+    <mc:Choice xmlns:p159="http://schemas.microsoft.com/office/powerpoint/2015/09/main" Requires="p159">
+      <p:transition xmlns:p14="http://schemas.microsoft.com/office/powerpoint/2010/main" spd="slow" p14:dur="2000">
+        <p159:morph option="byObject"/>
+      </p:transition>
+    </mc:Choice>
+    <mc:Fallback>
+      <p:transition spd="slow">
+        <p:fade/>
+      </p:transition>
+    </mc:Fallback>
+  </mc:AlternateContent>
 </p:sld>
 </file>
 
@@ -20397,6 +20739,18 @@
   <p:clrMapOvr>
     <a:masterClrMapping/>
   </p:clrMapOvr>
+  <mc:AlternateContent xmlns:mc="http://schemas.openxmlformats.org/markup-compatibility/2006">
+    <mc:Choice xmlns:p159="http://schemas.microsoft.com/office/powerpoint/2015/09/main" Requires="p159">
+      <p:transition xmlns:p14="http://schemas.microsoft.com/office/powerpoint/2010/main" spd="slow" p14:dur="2000">
+        <p159:morph option="byObject"/>
+      </p:transition>
+    </mc:Choice>
+    <mc:Fallback>
+      <p:transition spd="slow">
+        <p:fade/>
+      </p:transition>
+    </mc:Fallback>
+  </mc:AlternateContent>
 </p:sld>
 </file>
 
@@ -27723,6 +28077,18 @@
   <p:clrMapOvr>
     <a:masterClrMapping/>
   </p:clrMapOvr>
+  <mc:AlternateContent xmlns:mc="http://schemas.openxmlformats.org/markup-compatibility/2006">
+    <mc:Choice xmlns:p159="http://schemas.microsoft.com/office/powerpoint/2015/09/main" Requires="p159">
+      <p:transition xmlns:p14="http://schemas.microsoft.com/office/powerpoint/2010/main" spd="slow" p14:dur="2000">
+        <p159:morph option="byObject"/>
+      </p:transition>
+    </mc:Choice>
+    <mc:Fallback>
+      <p:transition spd="slow">
+        <p:fade/>
+      </p:transition>
+    </mc:Fallback>
+  </mc:AlternateContent>
 </p:sld>
 </file>
 
@@ -28306,6 +28672,18 @@
   <p:clrMapOvr>
     <a:masterClrMapping/>
   </p:clrMapOvr>
+  <mc:AlternateContent xmlns:mc="http://schemas.openxmlformats.org/markup-compatibility/2006">
+    <mc:Choice xmlns:p159="http://schemas.microsoft.com/office/powerpoint/2015/09/main" Requires="p159">
+      <p:transition xmlns:p14="http://schemas.microsoft.com/office/powerpoint/2010/main" spd="slow" p14:dur="2000">
+        <p159:morph option="byObject"/>
+      </p:transition>
+    </mc:Choice>
+    <mc:Fallback>
+      <p:transition spd="slow">
+        <p:fade/>
+      </p:transition>
+    </mc:Fallback>
+  </mc:AlternateContent>
 </p:sld>
 </file>
 
@@ -28796,6 +29174,18 @@
   <p:clrMapOvr>
     <a:masterClrMapping/>
   </p:clrMapOvr>
+  <mc:AlternateContent xmlns:mc="http://schemas.openxmlformats.org/markup-compatibility/2006">
+    <mc:Choice xmlns:p159="http://schemas.microsoft.com/office/powerpoint/2015/09/main" Requires="p159">
+      <p:transition xmlns:p14="http://schemas.microsoft.com/office/powerpoint/2010/main" spd="slow" p14:dur="2000">
+        <p159:morph option="byObject"/>
+      </p:transition>
+    </mc:Choice>
+    <mc:Fallback>
+      <p:transition spd="slow">
+        <p:fade/>
+      </p:transition>
+    </mc:Fallback>
+  </mc:AlternateContent>
 </p:sld>
 </file>
 
@@ -35417,6 +35807,18 @@
   <p:clrMapOvr>
     <a:masterClrMapping/>
   </p:clrMapOvr>
+  <mc:AlternateContent xmlns:mc="http://schemas.openxmlformats.org/markup-compatibility/2006">
+    <mc:Choice xmlns:p159="http://schemas.microsoft.com/office/powerpoint/2015/09/main" Requires="p159">
+      <p:transition xmlns:p14="http://schemas.microsoft.com/office/powerpoint/2010/main" spd="slow" p14:dur="2000">
+        <p159:morph option="byObject"/>
+      </p:transition>
+    </mc:Choice>
+    <mc:Fallback>
+      <p:transition spd="slow">
+        <p:fade/>
+      </p:transition>
+    </mc:Fallback>
+  </mc:AlternateContent>
 </p:sld>
 </file>
 
@@ -36568,6 +36970,18 @@
   <p:clrMapOvr>
     <a:masterClrMapping/>
   </p:clrMapOvr>
+  <mc:AlternateContent xmlns:mc="http://schemas.openxmlformats.org/markup-compatibility/2006">
+    <mc:Choice xmlns:p159="http://schemas.microsoft.com/office/powerpoint/2015/09/main" Requires="p159">
+      <p:transition xmlns:p14="http://schemas.microsoft.com/office/powerpoint/2010/main" spd="slow" p14:dur="2000">
+        <p159:morph option="byObject"/>
+      </p:transition>
+    </mc:Choice>
+    <mc:Fallback>
+      <p:transition spd="slow">
+        <p:fade/>
+      </p:transition>
+    </mc:Fallback>
+  </mc:AlternateContent>
   <p:timing>
     <p:tnLst>
       <p:par>
@@ -38936,6 +39350,18 @@
   <p:clrMapOvr>
     <a:masterClrMapping/>
   </p:clrMapOvr>
+  <mc:AlternateContent xmlns:mc="http://schemas.openxmlformats.org/markup-compatibility/2006">
+    <mc:Choice xmlns:p159="http://schemas.microsoft.com/office/powerpoint/2015/09/main" Requires="p159">
+      <p:transition xmlns:p14="http://schemas.microsoft.com/office/powerpoint/2010/main" spd="slow" p14:dur="2000">
+        <p159:morph option="byObject"/>
+      </p:transition>
+    </mc:Choice>
+    <mc:Fallback>
+      <p:transition spd="slow">
+        <p:fade/>
+      </p:transition>
+    </mc:Fallback>
+  </mc:AlternateContent>
   <p:timing>
     <p:tnLst>
       <p:par>
@@ -39914,6 +40340,18 @@
   <p:clrMapOvr>
     <a:masterClrMapping/>
   </p:clrMapOvr>
+  <mc:AlternateContent xmlns:mc="http://schemas.openxmlformats.org/markup-compatibility/2006">
+    <mc:Choice xmlns:p159="http://schemas.microsoft.com/office/powerpoint/2015/09/main" Requires="p159">
+      <p:transition xmlns:p14="http://schemas.microsoft.com/office/powerpoint/2010/main" spd="slow" p14:dur="2000">
+        <p159:morph option="byObject"/>
+      </p:transition>
+    </mc:Choice>
+    <mc:Fallback>
+      <p:transition spd="slow">
+        <p:fade/>
+      </p:transition>
+    </mc:Fallback>
+  </mc:AlternateContent>
 </p:sld>
 </file>
 
@@ -40836,6 +41274,18 @@
   <p:clrMapOvr>
     <a:masterClrMapping/>
   </p:clrMapOvr>
+  <mc:AlternateContent xmlns:mc="http://schemas.openxmlformats.org/markup-compatibility/2006">
+    <mc:Choice xmlns:p159="http://schemas.microsoft.com/office/powerpoint/2015/09/main" Requires="p159">
+      <p:transition xmlns:p14="http://schemas.microsoft.com/office/powerpoint/2010/main" spd="slow" p14:dur="2000">
+        <p159:morph option="byObject"/>
+      </p:transition>
+    </mc:Choice>
+    <mc:Fallback>
+      <p:transition spd="slow">
+        <p:fade/>
+      </p:transition>
+    </mc:Fallback>
+  </mc:AlternateContent>
   <p:timing>
     <p:tnLst>
       <p:par>
@@ -45519,6 +45969,18 @@
   <p:clrMapOvr>
     <a:masterClrMapping/>
   </p:clrMapOvr>
+  <mc:AlternateContent xmlns:mc="http://schemas.openxmlformats.org/markup-compatibility/2006">
+    <mc:Choice xmlns:p159="http://schemas.microsoft.com/office/powerpoint/2015/09/main" Requires="p159">
+      <p:transition xmlns:p14="http://schemas.microsoft.com/office/powerpoint/2010/main" spd="slow" p14:dur="2000">
+        <p159:morph option="byObject"/>
+      </p:transition>
+    </mc:Choice>
+    <mc:Fallback>
+      <p:transition spd="slow">
+        <p:fade/>
+      </p:transition>
+    </mc:Fallback>
+  </mc:AlternateContent>
 </p:sld>
 </file>
 
@@ -46258,6 +46720,18 @@
   <p:clrMapOvr>
     <a:masterClrMapping/>
   </p:clrMapOvr>
+  <mc:AlternateContent xmlns:mc="http://schemas.openxmlformats.org/markup-compatibility/2006">
+    <mc:Choice xmlns:p159="http://schemas.microsoft.com/office/powerpoint/2015/09/main" Requires="p159">
+      <p:transition xmlns:p14="http://schemas.microsoft.com/office/powerpoint/2010/main" spd="slow" p14:dur="2000">
+        <p159:morph option="byObject"/>
+      </p:transition>
+    </mc:Choice>
+    <mc:Fallback>
+      <p:transition spd="slow">
+        <p:fade/>
+      </p:transition>
+    </mc:Fallback>
+  </mc:AlternateContent>
 </p:sld>
 </file>
 
@@ -46490,6 +46964,18 @@
   <p:clrMapOvr>
     <a:masterClrMapping/>
   </p:clrMapOvr>
+  <mc:AlternateContent xmlns:mc="http://schemas.openxmlformats.org/markup-compatibility/2006">
+    <mc:Choice xmlns:p159="http://schemas.microsoft.com/office/powerpoint/2015/09/main" Requires="p159">
+      <p:transition xmlns:p14="http://schemas.microsoft.com/office/powerpoint/2010/main" spd="slow" p14:dur="2000">
+        <p159:morph option="byObject"/>
+      </p:transition>
+    </mc:Choice>
+    <mc:Fallback>
+      <p:transition spd="slow">
+        <p:fade/>
+      </p:transition>
+    </mc:Fallback>
+  </mc:AlternateContent>
 </p:sld>
 </file>
 
@@ -47141,6 +47627,18 @@
   <p:clrMapOvr>
     <a:masterClrMapping/>
   </p:clrMapOvr>
+  <mc:AlternateContent xmlns:mc="http://schemas.openxmlformats.org/markup-compatibility/2006">
+    <mc:Choice xmlns:p159="http://schemas.microsoft.com/office/powerpoint/2015/09/main" Requires="p159">
+      <p:transition xmlns:p14="http://schemas.microsoft.com/office/powerpoint/2010/main" spd="slow" p14:dur="2000">
+        <p159:morph option="byObject"/>
+      </p:transition>
+    </mc:Choice>
+    <mc:Fallback>
+      <p:transition spd="slow">
+        <p:fade/>
+      </p:transition>
+    </mc:Fallback>
+  </mc:AlternateContent>
   <p:timing>
     <p:tnLst>
       <p:par>
@@ -47883,6 +48381,18 @@
   <p:clrMapOvr>
     <a:masterClrMapping/>
   </p:clrMapOvr>
+  <mc:AlternateContent xmlns:mc="http://schemas.openxmlformats.org/markup-compatibility/2006">
+    <mc:Choice xmlns:p159="http://schemas.microsoft.com/office/powerpoint/2015/09/main" Requires="p159">
+      <p:transition xmlns:p14="http://schemas.microsoft.com/office/powerpoint/2010/main" spd="slow" p14:dur="2000">
+        <p159:morph option="byObject"/>
+      </p:transition>
+    </mc:Choice>
+    <mc:Fallback>
+      <p:transition spd="slow">
+        <p:fade/>
+      </p:transition>
+    </mc:Fallback>
+  </mc:AlternateContent>
   <p:timing>
     <p:tnLst>
       <p:par>
@@ -49094,6 +49604,18 @@
   <p:clrMapOvr>
     <a:masterClrMapping/>
   </p:clrMapOvr>
+  <mc:AlternateContent xmlns:mc="http://schemas.openxmlformats.org/markup-compatibility/2006">
+    <mc:Choice xmlns:p159="http://schemas.microsoft.com/office/powerpoint/2015/09/main" Requires="p159">
+      <p:transition xmlns:p14="http://schemas.microsoft.com/office/powerpoint/2010/main" spd="slow" p14:dur="2000">
+        <p159:morph option="byObject"/>
+      </p:transition>
+    </mc:Choice>
+    <mc:Fallback>
+      <p:transition spd="slow">
+        <p:fade/>
+      </p:transition>
+    </mc:Fallback>
+  </mc:AlternateContent>
   <p:timing>
     <p:tnLst>
       <p:par>
@@ -49230,6 +49752,932 @@
 </file>
 
 <file path=ppt/slides/slide7.xml><?xml version="1.0" encoding="utf-8"?>
+<p:sld xmlns:a="http://schemas.openxmlformats.org/drawingml/2006/main" xmlns:r="http://schemas.openxmlformats.org/officeDocument/2006/relationships" xmlns:p="http://schemas.openxmlformats.org/presentationml/2006/main">
+  <p:cSld>
+    <p:spTree>
+      <p:nvGrpSpPr>
+        <p:cNvPr id="1" name="">
+          <a:extLst>
+            <a:ext uri="{FF2B5EF4-FFF2-40B4-BE49-F238E27FC236}">
+              <a16:creationId xmlns:a16="http://schemas.microsoft.com/office/drawing/2014/main" id="{1167372B-A9BD-873F-A110-FE62B76D4EB7}"/>
+            </a:ext>
+          </a:extLst>
+        </p:cNvPr>
+        <p:cNvGrpSpPr/>
+        <p:nvPr/>
+      </p:nvGrpSpPr>
+      <p:grpSpPr>
+        <a:xfrm>
+          <a:off x="0" y="0"/>
+          <a:ext cx="0" cy="0"/>
+          <a:chOff x="0" y="0"/>
+          <a:chExt cx="0" cy="0"/>
+        </a:xfrm>
+      </p:grpSpPr>
+      <p:sp>
+        <p:nvSpPr>
+          <p:cNvPr id="46" name="任意多边形: 形状 45">
+            <a:extLst>
+              <a:ext uri="{FF2B5EF4-FFF2-40B4-BE49-F238E27FC236}">
+                <a16:creationId xmlns:a16="http://schemas.microsoft.com/office/drawing/2014/main" id="{C19602B1-8DF5-57FF-CFCB-F00EBDCCAE38}"/>
+              </a:ext>
+            </a:extLst>
+          </p:cNvPr>
+          <p:cNvSpPr/>
+          <p:nvPr/>
+        </p:nvSpPr>
+        <p:spPr>
+          <a:xfrm>
+            <a:off x="2264713" y="5936106"/>
+            <a:ext cx="508179" cy="906094"/>
+          </a:xfrm>
+          <a:custGeom>
+            <a:avLst/>
+            <a:gdLst>
+              <a:gd name="connsiteX0" fmla="*/ 493746 w 508179"/>
+              <a:gd name="connsiteY0" fmla="*/ 759429 h 906094"/>
+              <a:gd name="connsiteX1" fmla="*/ 472158 w 508179"/>
+              <a:gd name="connsiteY1" fmla="*/ 739734 h 906094"/>
+              <a:gd name="connsiteX2" fmla="*/ 478778 w 508179"/>
+              <a:gd name="connsiteY2" fmla="*/ 723617 h 906094"/>
+              <a:gd name="connsiteX3" fmla="*/ 480189 w 508179"/>
+              <a:gd name="connsiteY3" fmla="*/ 717991 h 906094"/>
+              <a:gd name="connsiteX4" fmla="*/ 479624 w 508179"/>
+              <a:gd name="connsiteY4" fmla="*/ 716634 h 906094"/>
+              <a:gd name="connsiteX5" fmla="*/ 406891 w 508179"/>
+              <a:gd name="connsiteY5" fmla="*/ 687169 h 906094"/>
+              <a:gd name="connsiteX6" fmla="*/ 377272 w 508179"/>
+              <a:gd name="connsiteY6" fmla="*/ 717016 h 906094"/>
+              <a:gd name="connsiteX7" fmla="*/ 333967 w 508179"/>
+              <a:gd name="connsiteY7" fmla="*/ 840356 h 906094"/>
+              <a:gd name="connsiteX8" fmla="*/ 336854 w 508179"/>
+              <a:gd name="connsiteY8" fmla="*/ 896818 h 906094"/>
+              <a:gd name="connsiteX9" fmla="*/ 276978 w 508179"/>
+              <a:gd name="connsiteY9" fmla="*/ 623469 h 906094"/>
+              <a:gd name="connsiteX10" fmla="*/ 280920 w 508179"/>
+              <a:gd name="connsiteY10" fmla="*/ 552603 h 906094"/>
+              <a:gd name="connsiteX11" fmla="*/ 289980 w 508179"/>
+              <a:gd name="connsiteY11" fmla="*/ 495149 h 906094"/>
+              <a:gd name="connsiteX12" fmla="*/ 422006 w 508179"/>
+              <a:gd name="connsiteY12" fmla="*/ 212977 h 906094"/>
+              <a:gd name="connsiteX13" fmla="*/ 495695 w 508179"/>
+              <a:gd name="connsiteY13" fmla="*/ 136520 h 906094"/>
+              <a:gd name="connsiteX14" fmla="*/ 507987 w 508179"/>
+              <a:gd name="connsiteY14" fmla="*/ 99589 h 906094"/>
+              <a:gd name="connsiteX15" fmla="*/ 497170 w 508179"/>
+              <a:gd name="connsiteY15" fmla="*/ 42071 h 906094"/>
+              <a:gd name="connsiteX16" fmla="*/ 477758 w 508179"/>
+              <a:gd name="connsiteY16" fmla="*/ 23315 h 906094"/>
+              <a:gd name="connsiteX17" fmla="*/ 393661 w 508179"/>
+              <a:gd name="connsiteY17" fmla="*/ 42955 h 906094"/>
+              <a:gd name="connsiteX18" fmla="*/ 377135 w 508179"/>
+              <a:gd name="connsiteY18" fmla="*/ 132523 h 906094"/>
+              <a:gd name="connsiteX19" fmla="*/ 409951 w 508179"/>
+              <a:gd name="connsiteY19" fmla="*/ 205684 h 906094"/>
+              <a:gd name="connsiteX20" fmla="*/ 405480 w 508179"/>
+              <a:gd name="connsiteY20" fmla="*/ 211274 h 906094"/>
+              <a:gd name="connsiteX21" fmla="*/ 335543 w 508179"/>
+              <a:gd name="connsiteY21" fmla="*/ 322067 h 906094"/>
+              <a:gd name="connsiteX22" fmla="*/ 318917 w 508179"/>
+              <a:gd name="connsiteY22" fmla="*/ 192690 h 906094"/>
+              <a:gd name="connsiteX23" fmla="*/ 246885 w 508179"/>
+              <a:gd name="connsiteY23" fmla="*/ 88754 h 906094"/>
+              <a:gd name="connsiteX24" fmla="*/ 166650 w 508179"/>
+              <a:gd name="connsiteY24" fmla="*/ 78793 h 906094"/>
+              <a:gd name="connsiteX25" fmla="*/ 145052 w 508179"/>
+              <a:gd name="connsiteY25" fmla="*/ 116826 h 906094"/>
+              <a:gd name="connsiteX26" fmla="*/ 144897 w 508179"/>
+              <a:gd name="connsiteY26" fmla="*/ 118292 h 906094"/>
+              <a:gd name="connsiteX27" fmla="*/ 156361 w 508179"/>
+              <a:gd name="connsiteY27" fmla="*/ 125302 h 906094"/>
+              <a:gd name="connsiteX28" fmla="*/ 164091 w 508179"/>
+              <a:gd name="connsiteY28" fmla="*/ 164182 h 906094"/>
+              <a:gd name="connsiteX29" fmla="*/ 145052 w 508179"/>
+              <a:gd name="connsiteY29" fmla="*/ 176311 h 906094"/>
+              <a:gd name="connsiteX30" fmla="*/ 144487 w 508179"/>
+              <a:gd name="connsiteY30" fmla="*/ 176392 h 906094"/>
+              <a:gd name="connsiteX31" fmla="*/ 151835 w 508179"/>
+              <a:gd name="connsiteY31" fmla="*/ 218094 h 906094"/>
+              <a:gd name="connsiteX32" fmla="*/ 294806 w 508179"/>
+              <a:gd name="connsiteY32" fmla="*/ 398050 h 906094"/>
+              <a:gd name="connsiteX33" fmla="*/ 301626 w 508179"/>
+              <a:gd name="connsiteY33" fmla="*/ 401519 h 906094"/>
+              <a:gd name="connsiteX34" fmla="*/ 264813 w 508179"/>
+              <a:gd name="connsiteY34" fmla="*/ 574774 h 906094"/>
+              <a:gd name="connsiteX35" fmla="*/ 265278 w 508179"/>
+              <a:gd name="connsiteY35" fmla="*/ 679512 h 906094"/>
+              <a:gd name="connsiteX36" fmla="*/ 265105 w 508179"/>
+              <a:gd name="connsiteY36" fmla="*/ 678274 h 906094"/>
+              <a:gd name="connsiteX37" fmla="*/ 206585 w 508179"/>
+              <a:gd name="connsiteY37" fmla="*/ 579299 h 906094"/>
+              <a:gd name="connsiteX38" fmla="*/ 49356 w 508179"/>
+              <a:gd name="connsiteY38" fmla="*/ 498955 h 906094"/>
+              <a:gd name="connsiteX39" fmla="*/ 4904 w 508179"/>
+              <a:gd name="connsiteY39" fmla="*/ 508643 h 906094"/>
+              <a:gd name="connsiteX40" fmla="*/ 87 w 508179"/>
+              <a:gd name="connsiteY40" fmla="*/ 530249 h 906094"/>
+              <a:gd name="connsiteX41" fmla="*/ 287 w 508179"/>
+              <a:gd name="connsiteY41" fmla="*/ 531551 h 906094"/>
+              <a:gd name="connsiteX42" fmla="*/ 21394 w 508179"/>
+              <a:gd name="connsiteY42" fmla="*/ 541722 h 906094"/>
+              <a:gd name="connsiteX43" fmla="*/ 32857 w 508179"/>
+              <a:gd name="connsiteY43" fmla="*/ 548733 h 906094"/>
+              <a:gd name="connsiteX44" fmla="*/ 40587 w 508179"/>
+              <a:gd name="connsiteY44" fmla="*/ 587603 h 906094"/>
+              <a:gd name="connsiteX45" fmla="*/ 21557 w 508179"/>
+              <a:gd name="connsiteY45" fmla="*/ 599741 h 906094"/>
+              <a:gd name="connsiteX46" fmla="*/ 20984 w 508179"/>
+              <a:gd name="connsiteY46" fmla="*/ 599823 h 906094"/>
+              <a:gd name="connsiteX47" fmla="*/ 19809 w 508179"/>
+              <a:gd name="connsiteY47" fmla="*/ 600005 h 906094"/>
+              <a:gd name="connsiteX48" fmla="*/ 71145 w 508179"/>
+              <a:gd name="connsiteY48" fmla="*/ 680395 h 906094"/>
+              <a:gd name="connsiteX49" fmla="*/ 279573 w 508179"/>
+              <a:gd name="connsiteY49" fmla="*/ 771839 h 906094"/>
+              <a:gd name="connsiteX50" fmla="*/ 279627 w 508179"/>
+              <a:gd name="connsiteY50" fmla="*/ 771839 h 906094"/>
+              <a:gd name="connsiteX51" fmla="*/ 325563 w 508179"/>
+              <a:gd name="connsiteY51" fmla="*/ 905932 h 906094"/>
+              <a:gd name="connsiteX52" fmla="*/ 489640 w 508179"/>
+              <a:gd name="connsiteY52" fmla="*/ 905932 h 906094"/>
+              <a:gd name="connsiteX53" fmla="*/ 491288 w 508179"/>
+              <a:gd name="connsiteY53" fmla="*/ 900405 h 906094"/>
+              <a:gd name="connsiteX54" fmla="*/ 445880 w 508179"/>
+              <a:gd name="connsiteY54" fmla="*/ 897701 h 906094"/>
+              <a:gd name="connsiteX55" fmla="*/ 482401 w 508179"/>
+              <a:gd name="connsiteY55" fmla="*/ 852766 h 906094"/>
+              <a:gd name="connsiteX56" fmla="*/ 483166 w 508179"/>
+              <a:gd name="connsiteY56" fmla="*/ 851883 h 906094"/>
+              <a:gd name="connsiteX57" fmla="*/ 501750 w 508179"/>
+              <a:gd name="connsiteY57" fmla="*/ 829002 h 906094"/>
+              <a:gd name="connsiteX58" fmla="*/ 501759 w 508179"/>
+              <a:gd name="connsiteY58" fmla="*/ 829002 h 906094"/>
+              <a:gd name="connsiteX59" fmla="*/ 493756 w 508179"/>
+              <a:gd name="connsiteY59" fmla="*/ 759438 h 906094"/>
+            </a:gdLst>
+            <a:ahLst/>
+            <a:cxnLst>
+              <a:cxn ang="0">
+                <a:pos x="connsiteX0" y="connsiteY0"/>
+              </a:cxn>
+              <a:cxn ang="0">
+                <a:pos x="connsiteX1" y="connsiteY1"/>
+              </a:cxn>
+              <a:cxn ang="0">
+                <a:pos x="connsiteX2" y="connsiteY2"/>
+              </a:cxn>
+              <a:cxn ang="0">
+                <a:pos x="connsiteX3" y="connsiteY3"/>
+              </a:cxn>
+              <a:cxn ang="0">
+                <a:pos x="connsiteX4" y="connsiteY4"/>
+              </a:cxn>
+              <a:cxn ang="0">
+                <a:pos x="connsiteX5" y="connsiteY5"/>
+              </a:cxn>
+              <a:cxn ang="0">
+                <a:pos x="connsiteX6" y="connsiteY6"/>
+              </a:cxn>
+              <a:cxn ang="0">
+                <a:pos x="connsiteX7" y="connsiteY7"/>
+              </a:cxn>
+              <a:cxn ang="0">
+                <a:pos x="connsiteX8" y="connsiteY8"/>
+              </a:cxn>
+              <a:cxn ang="0">
+                <a:pos x="connsiteX9" y="connsiteY9"/>
+              </a:cxn>
+              <a:cxn ang="0">
+                <a:pos x="connsiteX10" y="connsiteY10"/>
+              </a:cxn>
+              <a:cxn ang="0">
+                <a:pos x="connsiteX11" y="connsiteY11"/>
+              </a:cxn>
+              <a:cxn ang="0">
+                <a:pos x="connsiteX12" y="connsiteY12"/>
+              </a:cxn>
+              <a:cxn ang="0">
+                <a:pos x="connsiteX13" y="connsiteY13"/>
+              </a:cxn>
+              <a:cxn ang="0">
+                <a:pos x="connsiteX14" y="connsiteY14"/>
+              </a:cxn>
+              <a:cxn ang="0">
+                <a:pos x="connsiteX15" y="connsiteY15"/>
+              </a:cxn>
+              <a:cxn ang="0">
+                <a:pos x="connsiteX16" y="connsiteY16"/>
+              </a:cxn>
+              <a:cxn ang="0">
+                <a:pos x="connsiteX17" y="connsiteY17"/>
+              </a:cxn>
+              <a:cxn ang="0">
+                <a:pos x="connsiteX18" y="connsiteY18"/>
+              </a:cxn>
+              <a:cxn ang="0">
+                <a:pos x="connsiteX19" y="connsiteY19"/>
+              </a:cxn>
+              <a:cxn ang="0">
+                <a:pos x="connsiteX20" y="connsiteY20"/>
+              </a:cxn>
+              <a:cxn ang="0">
+                <a:pos x="connsiteX21" y="connsiteY21"/>
+              </a:cxn>
+              <a:cxn ang="0">
+                <a:pos x="connsiteX22" y="connsiteY22"/>
+              </a:cxn>
+              <a:cxn ang="0">
+                <a:pos x="connsiteX23" y="connsiteY23"/>
+              </a:cxn>
+              <a:cxn ang="0">
+                <a:pos x="connsiteX24" y="connsiteY24"/>
+              </a:cxn>
+              <a:cxn ang="0">
+                <a:pos x="connsiteX25" y="connsiteY25"/>
+              </a:cxn>
+              <a:cxn ang="0">
+                <a:pos x="connsiteX26" y="connsiteY26"/>
+              </a:cxn>
+              <a:cxn ang="0">
+                <a:pos x="connsiteX27" y="connsiteY27"/>
+              </a:cxn>
+              <a:cxn ang="0">
+                <a:pos x="connsiteX28" y="connsiteY28"/>
+              </a:cxn>
+              <a:cxn ang="0">
+                <a:pos x="connsiteX29" y="connsiteY29"/>
+              </a:cxn>
+              <a:cxn ang="0">
+                <a:pos x="connsiteX30" y="connsiteY30"/>
+              </a:cxn>
+              <a:cxn ang="0">
+                <a:pos x="connsiteX31" y="connsiteY31"/>
+              </a:cxn>
+              <a:cxn ang="0">
+                <a:pos x="connsiteX32" y="connsiteY32"/>
+              </a:cxn>
+              <a:cxn ang="0">
+                <a:pos x="connsiteX33" y="connsiteY33"/>
+              </a:cxn>
+              <a:cxn ang="0">
+                <a:pos x="connsiteX34" y="connsiteY34"/>
+              </a:cxn>
+              <a:cxn ang="0">
+                <a:pos x="connsiteX35" y="connsiteY35"/>
+              </a:cxn>
+              <a:cxn ang="0">
+                <a:pos x="connsiteX36" y="connsiteY36"/>
+              </a:cxn>
+              <a:cxn ang="0">
+                <a:pos x="connsiteX37" y="connsiteY37"/>
+              </a:cxn>
+              <a:cxn ang="0">
+                <a:pos x="connsiteX38" y="connsiteY38"/>
+              </a:cxn>
+              <a:cxn ang="0">
+                <a:pos x="connsiteX39" y="connsiteY39"/>
+              </a:cxn>
+              <a:cxn ang="0">
+                <a:pos x="connsiteX40" y="connsiteY40"/>
+              </a:cxn>
+              <a:cxn ang="0">
+                <a:pos x="connsiteX41" y="connsiteY41"/>
+              </a:cxn>
+              <a:cxn ang="0">
+                <a:pos x="connsiteX42" y="connsiteY42"/>
+              </a:cxn>
+              <a:cxn ang="0">
+                <a:pos x="connsiteX43" y="connsiteY43"/>
+              </a:cxn>
+              <a:cxn ang="0">
+                <a:pos x="connsiteX44" y="connsiteY44"/>
+              </a:cxn>
+              <a:cxn ang="0">
+                <a:pos x="connsiteX45" y="connsiteY45"/>
+              </a:cxn>
+              <a:cxn ang="0">
+                <a:pos x="connsiteX46" y="connsiteY46"/>
+              </a:cxn>
+              <a:cxn ang="0">
+                <a:pos x="connsiteX47" y="connsiteY47"/>
+              </a:cxn>
+              <a:cxn ang="0">
+                <a:pos x="connsiteX48" y="connsiteY48"/>
+              </a:cxn>
+              <a:cxn ang="0">
+                <a:pos x="connsiteX49" y="connsiteY49"/>
+              </a:cxn>
+              <a:cxn ang="0">
+                <a:pos x="connsiteX50" y="connsiteY50"/>
+              </a:cxn>
+              <a:cxn ang="0">
+                <a:pos x="connsiteX51" y="connsiteY51"/>
+              </a:cxn>
+              <a:cxn ang="0">
+                <a:pos x="connsiteX52" y="connsiteY52"/>
+              </a:cxn>
+              <a:cxn ang="0">
+                <a:pos x="connsiteX53" y="connsiteY53"/>
+              </a:cxn>
+              <a:cxn ang="0">
+                <a:pos x="connsiteX54" y="connsiteY54"/>
+              </a:cxn>
+              <a:cxn ang="0">
+                <a:pos x="connsiteX55" y="connsiteY55"/>
+              </a:cxn>
+              <a:cxn ang="0">
+                <a:pos x="connsiteX56" y="connsiteY56"/>
+              </a:cxn>
+              <a:cxn ang="0">
+                <a:pos x="connsiteX57" y="connsiteY57"/>
+              </a:cxn>
+              <a:cxn ang="0">
+                <a:pos x="connsiteX58" y="connsiteY58"/>
+              </a:cxn>
+              <a:cxn ang="0">
+                <a:pos x="connsiteX59" y="connsiteY59"/>
+              </a:cxn>
+            </a:cxnLst>
+            <a:rect l="l" t="t" r="r" b="b"/>
+            <a:pathLst>
+              <a:path w="508179" h="906094">
+                <a:moveTo>
+                  <a:pt x="493746" y="759429"/>
+                </a:moveTo>
+                <a:cubicBezTo>
+                  <a:pt x="482347" y="759957"/>
+                  <a:pt x="472686" y="751134"/>
+                  <a:pt x="472158" y="739734"/>
+                </a:cubicBezTo>
+                <a:cubicBezTo>
+                  <a:pt x="471876" y="733652"/>
+                  <a:pt x="474298" y="727752"/>
+                  <a:pt x="478778" y="723617"/>
+                </a:cubicBezTo>
+                <a:lnTo>
+                  <a:pt x="480189" y="717991"/>
+                </a:lnTo>
+                <a:cubicBezTo>
+                  <a:pt x="480007" y="717535"/>
+                  <a:pt x="479815" y="717089"/>
+                  <a:pt x="479624" y="716634"/>
+                </a:cubicBezTo>
+                <a:cubicBezTo>
+                  <a:pt x="467678" y="688417"/>
+                  <a:pt x="435118" y="675223"/>
+                  <a:pt x="406891" y="687169"/>
+                </a:cubicBezTo>
+                <a:cubicBezTo>
+                  <a:pt x="393489" y="692851"/>
+                  <a:pt x="382845" y="703568"/>
+                  <a:pt x="377272" y="717016"/>
+                </a:cubicBezTo>
+                <a:cubicBezTo>
+                  <a:pt x="360528" y="757334"/>
+                  <a:pt x="339212" y="797725"/>
+                  <a:pt x="333967" y="840356"/>
+                </a:cubicBezTo>
+                <a:cubicBezTo>
+                  <a:pt x="331655" y="859204"/>
+                  <a:pt x="332629" y="878307"/>
+                  <a:pt x="336854" y="896818"/>
+                </a:cubicBezTo>
+                <a:cubicBezTo>
+                  <a:pt x="297528" y="811047"/>
+                  <a:pt x="277114" y="717818"/>
+                  <a:pt x="276978" y="623469"/>
+                </a:cubicBezTo>
+                <a:cubicBezTo>
+                  <a:pt x="276978" y="599786"/>
+                  <a:pt x="278289" y="576131"/>
+                  <a:pt x="280920" y="552603"/>
+                </a:cubicBezTo>
+                <a:cubicBezTo>
+                  <a:pt x="283097" y="533309"/>
+                  <a:pt x="286119" y="514161"/>
+                  <a:pt x="289980" y="495149"/>
+                </a:cubicBezTo>
+                <a:cubicBezTo>
+                  <a:pt x="311050" y="391968"/>
+                  <a:pt x="356303" y="295270"/>
+                  <a:pt x="422006" y="212977"/>
+                </a:cubicBezTo>
+                <a:cubicBezTo>
+                  <a:pt x="453811" y="195622"/>
+                  <a:pt x="479524" y="168944"/>
+                  <a:pt x="495695" y="136520"/>
+                </a:cubicBezTo>
+                <a:cubicBezTo>
+                  <a:pt x="501550" y="124866"/>
+                  <a:pt x="505693" y="112428"/>
+                  <a:pt x="507987" y="99589"/>
+                </a:cubicBezTo>
+                <a:cubicBezTo>
+                  <a:pt x="504400" y="100063"/>
+                  <a:pt x="494457" y="45431"/>
+                  <a:pt x="497170" y="42071"/>
+                </a:cubicBezTo>
+                <a:cubicBezTo>
+                  <a:pt x="492162" y="34487"/>
+                  <a:pt x="483221" y="30717"/>
+                  <a:pt x="477758" y="23315"/>
+                </a:cubicBezTo>
+                <a:cubicBezTo>
+                  <a:pt x="450606" y="-13498"/>
+                  <a:pt x="413192" y="-7069"/>
+                  <a:pt x="393661" y="42955"/>
+                </a:cubicBezTo>
+                <a:cubicBezTo>
+                  <a:pt x="351941" y="64015"/>
+                  <a:pt x="351532" y="98934"/>
+                  <a:pt x="377135" y="132523"/>
+                </a:cubicBezTo>
+                <a:cubicBezTo>
+                  <a:pt x="393425" y="153893"/>
+                  <a:pt x="395656" y="182802"/>
+                  <a:pt x="409951" y="205684"/>
+                </a:cubicBezTo>
+                <a:cubicBezTo>
+                  <a:pt x="408476" y="207569"/>
+                  <a:pt x="406955" y="209390"/>
+                  <a:pt x="405480" y="211274"/>
+                </a:cubicBezTo>
+                <a:cubicBezTo>
+                  <a:pt x="378601" y="245829"/>
+                  <a:pt x="355183" y="282942"/>
+                  <a:pt x="335543" y="322067"/>
+                </a:cubicBezTo>
+                <a:cubicBezTo>
+                  <a:pt x="340323" y="278234"/>
+                  <a:pt x="334623" y="233892"/>
+                  <a:pt x="318917" y="192690"/>
+                </a:cubicBezTo>
+                <a:cubicBezTo>
+                  <a:pt x="302992" y="154285"/>
+                  <a:pt x="273163" y="121943"/>
+                  <a:pt x="246885" y="88754"/>
+                </a:cubicBezTo>
+                <a:cubicBezTo>
+                  <a:pt x="227482" y="63842"/>
+                  <a:pt x="191552" y="59390"/>
+                  <a:pt x="166650" y="78793"/>
+                </a:cubicBezTo>
+                <a:cubicBezTo>
+                  <a:pt x="154694" y="88108"/>
+                  <a:pt x="146927" y="101784"/>
+                  <a:pt x="145052" y="116826"/>
+                </a:cubicBezTo>
+                <a:cubicBezTo>
+                  <a:pt x="144997" y="117318"/>
+                  <a:pt x="144952" y="117800"/>
+                  <a:pt x="144897" y="118292"/>
+                </a:cubicBezTo>
+                <a:cubicBezTo>
+                  <a:pt x="148794" y="120495"/>
+                  <a:pt x="152618" y="122826"/>
+                  <a:pt x="156361" y="125302"/>
+                </a:cubicBezTo>
+                <a:cubicBezTo>
+                  <a:pt x="169226" y="133898"/>
+                  <a:pt x="172686" y="151307"/>
+                  <a:pt x="164091" y="164182"/>
+                </a:cubicBezTo>
+                <a:cubicBezTo>
+                  <a:pt x="159730" y="170710"/>
+                  <a:pt x="152819" y="175108"/>
+                  <a:pt x="145052" y="176311"/>
+                </a:cubicBezTo>
+                <a:lnTo>
+                  <a:pt x="144487" y="176392"/>
+                </a:lnTo>
+                <a:cubicBezTo>
+                  <a:pt x="145871" y="190460"/>
+                  <a:pt x="148330" y="204400"/>
+                  <a:pt x="151835" y="218094"/>
+                </a:cubicBezTo>
+                <a:cubicBezTo>
+                  <a:pt x="118128" y="348445"/>
+                  <a:pt x="190897" y="395920"/>
+                  <a:pt x="294806" y="398050"/>
+                </a:cubicBezTo>
+                <a:cubicBezTo>
+                  <a:pt x="297091" y="399225"/>
+                  <a:pt x="299331" y="400399"/>
+                  <a:pt x="301626" y="401519"/>
+                </a:cubicBezTo>
+                <a:cubicBezTo>
+                  <a:pt x="281895" y="457435"/>
+                  <a:pt x="269520" y="515672"/>
+                  <a:pt x="264813" y="574774"/>
+                </a:cubicBezTo>
+                <a:cubicBezTo>
+                  <a:pt x="262145" y="609638"/>
+                  <a:pt x="262300" y="644666"/>
+                  <a:pt x="265278" y="679512"/>
+                </a:cubicBezTo>
+                <a:lnTo>
+                  <a:pt x="265105" y="678274"/>
+                </a:lnTo>
+                <a:cubicBezTo>
+                  <a:pt x="257575" y="639531"/>
+                  <a:pt x="236905" y="604576"/>
+                  <a:pt x="206585" y="579299"/>
+                </a:cubicBezTo>
+                <a:cubicBezTo>
+                  <a:pt x="161560" y="542314"/>
+                  <a:pt x="97932" y="528683"/>
+                  <a:pt x="49356" y="498955"/>
+                </a:cubicBezTo>
+                <a:cubicBezTo>
+                  <a:pt x="34405" y="489358"/>
+                  <a:pt x="14501" y="493692"/>
+                  <a:pt x="4904" y="508643"/>
+                </a:cubicBezTo>
+                <a:cubicBezTo>
+                  <a:pt x="797" y="515044"/>
+                  <a:pt x="-914" y="522701"/>
+                  <a:pt x="87" y="530249"/>
+                </a:cubicBezTo>
+                <a:lnTo>
+                  <a:pt x="287" y="531551"/>
+                </a:lnTo>
+                <a:cubicBezTo>
+                  <a:pt x="7526" y="534492"/>
+                  <a:pt x="14573" y="537898"/>
+                  <a:pt x="21394" y="541722"/>
+                </a:cubicBezTo>
+                <a:cubicBezTo>
+                  <a:pt x="25300" y="543926"/>
+                  <a:pt x="29115" y="546256"/>
+                  <a:pt x="32857" y="548733"/>
+                </a:cubicBezTo>
+                <a:cubicBezTo>
+                  <a:pt x="45723" y="557328"/>
+                  <a:pt x="49192" y="574738"/>
+                  <a:pt x="40587" y="587603"/>
+                </a:cubicBezTo>
+                <a:cubicBezTo>
+                  <a:pt x="36226" y="594141"/>
+                  <a:pt x="29324" y="598539"/>
+                  <a:pt x="21557" y="599741"/>
+                </a:cubicBezTo>
+                <a:lnTo>
+                  <a:pt x="20984" y="599823"/>
+                </a:lnTo>
+                <a:cubicBezTo>
+                  <a:pt x="20574" y="599886"/>
+                  <a:pt x="20219" y="599941"/>
+                  <a:pt x="19809" y="600005"/>
+                </a:cubicBezTo>
+                <a:cubicBezTo>
+                  <a:pt x="32183" y="629542"/>
+                  <a:pt x="49547" y="656740"/>
+                  <a:pt x="71145" y="680395"/>
+                </a:cubicBezTo>
+                <a:cubicBezTo>
+                  <a:pt x="92223" y="794183"/>
+                  <a:pt x="182739" y="804982"/>
+                  <a:pt x="279573" y="771839"/>
+                </a:cubicBezTo>
+                <a:lnTo>
+                  <a:pt x="279627" y="771839"/>
+                </a:lnTo>
+                <a:cubicBezTo>
+                  <a:pt x="290253" y="818012"/>
+                  <a:pt x="305641" y="862946"/>
+                  <a:pt x="325563" y="905932"/>
+                </a:cubicBezTo>
+                <a:lnTo>
+                  <a:pt x="489640" y="905932"/>
+                </a:lnTo>
+                <a:cubicBezTo>
+                  <a:pt x="490223" y="904102"/>
+                  <a:pt x="490751" y="902226"/>
+                  <a:pt x="491288" y="900405"/>
+                </a:cubicBezTo>
+                <a:cubicBezTo>
+                  <a:pt x="476101" y="901352"/>
+                  <a:pt x="460849" y="900451"/>
+                  <a:pt x="445880" y="897701"/>
+                </a:cubicBezTo>
+                <a:cubicBezTo>
+                  <a:pt x="458054" y="882759"/>
+                  <a:pt x="470227" y="867699"/>
+                  <a:pt x="482401" y="852766"/>
+                </a:cubicBezTo>
+                <a:cubicBezTo>
+                  <a:pt x="482674" y="852484"/>
+                  <a:pt x="482929" y="852193"/>
+                  <a:pt x="483166" y="851883"/>
+                </a:cubicBezTo>
+                <a:cubicBezTo>
+                  <a:pt x="489349" y="844235"/>
+                  <a:pt x="495577" y="836650"/>
+                  <a:pt x="501750" y="829002"/>
+                </a:cubicBezTo>
+                <a:lnTo>
+                  <a:pt x="501759" y="829002"/>
+                </a:lnTo>
+                <a:cubicBezTo>
+                  <a:pt x="502087" y="805565"/>
+                  <a:pt x="499401" y="782182"/>
+                  <a:pt x="493756" y="759438"/>
+                </a:cubicBezTo>
+                <a:close/>
+              </a:path>
+            </a:pathLst>
+          </a:custGeom>
+          <a:solidFill>
+            <a:srgbClr val="F2F2F2"/>
+          </a:solidFill>
+          <a:ln w="9105" cap="flat">
+            <a:noFill/>
+            <a:prstDash val="solid"/>
+            <a:miter/>
+          </a:ln>
+        </p:spPr>
+        <p:txBody>
+          <a:bodyPr rtlCol="0" anchor="ctr"/>
+          <a:lstStyle/>
+          <a:p>
+            <a:endParaRPr lang="zh-CN" altLang="en-US"/>
+          </a:p>
+        </p:txBody>
+      </p:sp>
+      <p:sp>
+        <p:nvSpPr>
+          <p:cNvPr id="47" name="任意多边形: 形状 46">
+            <a:extLst>
+              <a:ext uri="{FF2B5EF4-FFF2-40B4-BE49-F238E27FC236}">
+                <a16:creationId xmlns:a16="http://schemas.microsoft.com/office/drawing/2014/main" id="{149E443D-A224-43E4-B2E7-8A4F3A429B28}"/>
+              </a:ext>
+            </a:extLst>
+          </p:cNvPr>
+          <p:cNvSpPr/>
+          <p:nvPr/>
+        </p:nvSpPr>
+        <p:spPr>
+          <a:xfrm>
+            <a:off x="515937" y="6831848"/>
+            <a:ext cx="2327939" cy="21670"/>
+          </a:xfrm>
+          <a:custGeom>
+            <a:avLst/>
+            <a:gdLst>
+              <a:gd name="connsiteX0" fmla="*/ -192 w 2327939"/>
+              <a:gd name="connsiteY0" fmla="*/ 10673 h 21670"/>
+              <a:gd name="connsiteX1" fmla="*/ 10579 w 2327939"/>
+              <a:gd name="connsiteY1" fmla="*/ 21508 h 21670"/>
+              <a:gd name="connsiteX2" fmla="*/ 10643 w 2327939"/>
+              <a:gd name="connsiteY2" fmla="*/ 21508 h 21670"/>
+              <a:gd name="connsiteX3" fmla="*/ 2316912 w 2327939"/>
+              <a:gd name="connsiteY3" fmla="*/ 21508 h 21670"/>
+              <a:gd name="connsiteX4" fmla="*/ 2327747 w 2327939"/>
+              <a:gd name="connsiteY4" fmla="*/ 10673 h 21670"/>
+              <a:gd name="connsiteX5" fmla="*/ 2316912 w 2327939"/>
+              <a:gd name="connsiteY5" fmla="*/ -163 h 21670"/>
+              <a:gd name="connsiteX6" fmla="*/ 10643 w 2327939"/>
+              <a:gd name="connsiteY6" fmla="*/ -163 h 21670"/>
+              <a:gd name="connsiteX7" fmla="*/ -192 w 2327939"/>
+              <a:gd name="connsiteY7" fmla="*/ 10609 h 21670"/>
+              <a:gd name="connsiteX8" fmla="*/ -192 w 2327939"/>
+              <a:gd name="connsiteY8" fmla="*/ 10673 h 21670"/>
+            </a:gdLst>
+            <a:ahLst/>
+            <a:cxnLst>
+              <a:cxn ang="0">
+                <a:pos x="connsiteX0" y="connsiteY0"/>
+              </a:cxn>
+              <a:cxn ang="0">
+                <a:pos x="connsiteX1" y="connsiteY1"/>
+              </a:cxn>
+              <a:cxn ang="0">
+                <a:pos x="connsiteX2" y="connsiteY2"/>
+              </a:cxn>
+              <a:cxn ang="0">
+                <a:pos x="connsiteX3" y="connsiteY3"/>
+              </a:cxn>
+              <a:cxn ang="0">
+                <a:pos x="connsiteX4" y="connsiteY4"/>
+              </a:cxn>
+              <a:cxn ang="0">
+                <a:pos x="connsiteX5" y="connsiteY5"/>
+              </a:cxn>
+              <a:cxn ang="0">
+                <a:pos x="connsiteX6" y="connsiteY6"/>
+              </a:cxn>
+              <a:cxn ang="0">
+                <a:pos x="connsiteX7" y="connsiteY7"/>
+              </a:cxn>
+              <a:cxn ang="0">
+                <a:pos x="connsiteX8" y="connsiteY8"/>
+              </a:cxn>
+            </a:cxnLst>
+            <a:rect l="l" t="t" r="r" b="b"/>
+            <a:pathLst>
+              <a:path w="2327939" h="21670">
+                <a:moveTo>
+                  <a:pt x="-192" y="10673"/>
+                </a:moveTo>
+                <a:cubicBezTo>
+                  <a:pt x="-210" y="16636"/>
+                  <a:pt x="4616" y="21490"/>
+                  <a:pt x="10579" y="21508"/>
+                </a:cubicBezTo>
+                <a:cubicBezTo>
+                  <a:pt x="10598" y="21508"/>
+                  <a:pt x="10625" y="21508"/>
+                  <a:pt x="10643" y="21508"/>
+                </a:cubicBezTo>
+                <a:lnTo>
+                  <a:pt x="2316912" y="21508"/>
+                </a:lnTo>
+                <a:cubicBezTo>
+                  <a:pt x="2322894" y="21508"/>
+                  <a:pt x="2327747" y="16655"/>
+                  <a:pt x="2327747" y="10673"/>
+                </a:cubicBezTo>
+                <a:cubicBezTo>
+                  <a:pt x="2327747" y="4690"/>
+                  <a:pt x="2322894" y="-163"/>
+                  <a:pt x="2316912" y="-163"/>
+                </a:cubicBezTo>
+                <a:lnTo>
+                  <a:pt x="10643" y="-163"/>
+                </a:lnTo>
+                <a:cubicBezTo>
+                  <a:pt x="4679" y="-181"/>
+                  <a:pt x="-174" y="4644"/>
+                  <a:pt x="-192" y="10609"/>
+                </a:cubicBezTo>
+                <a:cubicBezTo>
+                  <a:pt x="-192" y="10636"/>
+                  <a:pt x="-192" y="10654"/>
+                  <a:pt x="-192" y="10673"/>
+                </a:cubicBezTo>
+                <a:close/>
+              </a:path>
+            </a:pathLst>
+          </a:custGeom>
+          <a:solidFill>
+            <a:srgbClr val="CCCCCC"/>
+          </a:solidFill>
+          <a:ln w="9105" cap="flat">
+            <a:noFill/>
+            <a:prstDash val="solid"/>
+            <a:miter/>
+          </a:ln>
+        </p:spPr>
+        <p:txBody>
+          <a:bodyPr rtlCol="0" anchor="ctr"/>
+          <a:lstStyle/>
+          <a:p>
+            <a:endParaRPr lang="zh-CN" altLang="en-US"/>
+          </a:p>
+        </p:txBody>
+      </p:sp>
+      <p:pic>
+        <p:nvPicPr>
+          <p:cNvPr id="9" name="Picture 8">
+            <a:extLst>
+              <a:ext uri="{FF2B5EF4-FFF2-40B4-BE49-F238E27FC236}">
+                <a16:creationId xmlns:a16="http://schemas.microsoft.com/office/drawing/2014/main" id="{BCAAF296-5BC8-1B60-0CFC-A2A265DD6339}"/>
+              </a:ext>
+            </a:extLst>
+          </p:cNvPr>
+          <p:cNvPicPr>
+            <a:picLocks noChangeAspect="1"/>
+          </p:cNvPicPr>
+          <p:nvPr/>
+        </p:nvPicPr>
+        <p:blipFill>
+          <a:blip r:embed="rId2"/>
+          <a:stretch>
+            <a:fillRect/>
+          </a:stretch>
+        </p:blipFill>
+        <p:spPr>
+          <a:xfrm>
+            <a:off x="124130" y="52020"/>
+            <a:ext cx="10226877" cy="2558686"/>
+          </a:xfrm>
+          <a:prstGeom prst="rect">
+            <a:avLst/>
+          </a:prstGeom>
+        </p:spPr>
+      </p:pic>
+      <p:pic>
+        <p:nvPicPr>
+          <p:cNvPr id="13" name="Picture 12">
+            <a:extLst>
+              <a:ext uri="{FF2B5EF4-FFF2-40B4-BE49-F238E27FC236}">
+                <a16:creationId xmlns:a16="http://schemas.microsoft.com/office/drawing/2014/main" id="{1D98C361-6D29-DB73-37DE-7CC10AAEA15B}"/>
+              </a:ext>
+            </a:extLst>
+          </p:cNvPr>
+          <p:cNvPicPr>
+            <a:picLocks noChangeAspect="1"/>
+          </p:cNvPicPr>
+          <p:nvPr/>
+        </p:nvPicPr>
+        <p:blipFill>
+          <a:blip r:embed="rId3"/>
+          <a:stretch>
+            <a:fillRect/>
+          </a:stretch>
+        </p:blipFill>
+        <p:spPr>
+          <a:xfrm>
+            <a:off x="124130" y="3824217"/>
+            <a:ext cx="11610757" cy="2971257"/>
+          </a:xfrm>
+          <a:prstGeom prst="rect">
+            <a:avLst/>
+          </a:prstGeom>
+        </p:spPr>
+      </p:pic>
+      <p:sp>
+        <p:nvSpPr>
+          <p:cNvPr id="14" name="Rectangle: Rounded Corners 13">
+            <a:extLst>
+              <a:ext uri="{FF2B5EF4-FFF2-40B4-BE49-F238E27FC236}">
+                <a16:creationId xmlns:a16="http://schemas.microsoft.com/office/drawing/2014/main" id="{4E2792AE-7BB2-A3AC-0B78-18FDC3E076C5}"/>
+              </a:ext>
+            </a:extLst>
+          </p:cNvPr>
+          <p:cNvSpPr/>
+          <p:nvPr/>
+        </p:nvSpPr>
+        <p:spPr>
+          <a:xfrm>
+            <a:off x="1307592" y="2779776"/>
+            <a:ext cx="8759952" cy="822960"/>
+          </a:xfrm>
+          <a:prstGeom prst="roundRect">
+            <a:avLst>
+              <a:gd name="adj" fmla="val 50000"/>
+            </a:avLst>
+          </a:prstGeom>
+        </p:spPr>
+        <p:style>
+          <a:lnRef idx="2">
+            <a:schemeClr val="accent1">
+              <a:shade val="15000"/>
+            </a:schemeClr>
+          </a:lnRef>
+          <a:fillRef idx="1">
+            <a:schemeClr val="accent1"/>
+          </a:fillRef>
+          <a:effectRef idx="0">
+            <a:schemeClr val="accent1"/>
+          </a:effectRef>
+          <a:fontRef idx="minor">
+            <a:schemeClr val="lt1"/>
+          </a:fontRef>
+        </p:style>
+        <p:txBody>
+          <a:bodyPr rtlCol="0" anchor="ctr"/>
+          <a:lstStyle/>
+          <a:p>
+            <a:pPr algn="ctr"/>
+            <a:r>
+              <a:rPr lang="en-US" dirty="0"/>
+              <a:t>Git </a:t>
+            </a:r>
+            <a:r>
+              <a:rPr lang="en-US"/>
+              <a:t>reset  2828272772</a:t>
+            </a:r>
+            <a:endParaRPr lang="en-US" dirty="0"/>
+          </a:p>
+        </p:txBody>
+      </p:sp>
+    </p:spTree>
+    <p:extLst>
+      <p:ext uri="{BB962C8B-B14F-4D97-AF65-F5344CB8AC3E}">
+        <p14:creationId xmlns:p14="http://schemas.microsoft.com/office/powerpoint/2010/main" val="1107726013"/>
+      </p:ext>
+    </p:extLst>
+  </p:cSld>
+  <p:clrMapOvr>
+    <a:masterClrMapping/>
+  </p:clrMapOvr>
+  <mc:AlternateContent xmlns:mc="http://schemas.openxmlformats.org/markup-compatibility/2006">
+    <mc:Choice xmlns:p159="http://schemas.microsoft.com/office/powerpoint/2015/09/main" Requires="p159">
+      <p:transition xmlns:p14="http://schemas.microsoft.com/office/powerpoint/2010/main" spd="slow" p14:dur="2000">
+        <p159:morph option="byObject"/>
+      </p:transition>
+    </mc:Choice>
+    <mc:Fallback>
+      <p:transition spd="slow">
+        <p:fade/>
+      </p:transition>
+    </mc:Fallback>
+  </mc:AlternateContent>
+</p:sld>
+</file>
+
+<file path=ppt/slides/slide8.xml><?xml version="1.0" encoding="utf-8"?>
 <p:sld xmlns:a="http://schemas.openxmlformats.org/drawingml/2006/main" xmlns:r="http://schemas.openxmlformats.org/officeDocument/2006/relationships" xmlns:p="http://schemas.openxmlformats.org/presentationml/2006/main">
   <p:cSld>
     <p:bg>
@@ -49537,10 +50985,22 @@
   <p:clrMapOvr>
     <a:masterClrMapping/>
   </p:clrMapOvr>
+  <mc:AlternateContent xmlns:mc="http://schemas.openxmlformats.org/markup-compatibility/2006">
+    <mc:Choice xmlns:p159="http://schemas.microsoft.com/office/powerpoint/2015/09/main" Requires="p159">
+      <p:transition xmlns:p14="http://schemas.microsoft.com/office/powerpoint/2010/main" spd="slow" p14:dur="2000">
+        <p159:morph option="byObject"/>
+      </p:transition>
+    </mc:Choice>
+    <mc:Fallback>
+      <p:transition spd="slow">
+        <p:fade/>
+      </p:transition>
+    </mc:Fallback>
+  </mc:AlternateContent>
 </p:sld>
 </file>
 
-<file path=ppt/slides/slide8.xml><?xml version="1.0" encoding="utf-8"?>
+<file path=ppt/slides/slide9.xml><?xml version="1.0" encoding="utf-8"?>
 <p:sld xmlns:a="http://schemas.openxmlformats.org/drawingml/2006/main" xmlns:r="http://schemas.openxmlformats.org/officeDocument/2006/relationships" xmlns:p="http://schemas.openxmlformats.org/presentationml/2006/main">
   <p:cSld>
     <p:spTree>
@@ -50033,834 +51493,18 @@
   <p:clrMapOvr>
     <a:masterClrMapping/>
   </p:clrMapOvr>
-</p:sld>
-</file>
-
-<file path=ppt/slides/slide9.xml><?xml version="1.0" encoding="utf-8"?>
-<p:sld xmlns:a="http://schemas.openxmlformats.org/drawingml/2006/main" xmlns:r="http://schemas.openxmlformats.org/officeDocument/2006/relationships" xmlns:p="http://schemas.openxmlformats.org/presentationml/2006/main">
-  <p:cSld>
-    <p:spTree>
-      <p:nvGrpSpPr>
-        <p:cNvPr id="1" name="">
-          <a:extLst>
-            <a:ext uri="{FF2B5EF4-FFF2-40B4-BE49-F238E27FC236}">
-              <a16:creationId xmlns:a16="http://schemas.microsoft.com/office/drawing/2014/main" id="{3809C928-3E94-A6DE-C53D-22EBC8E18143}"/>
-            </a:ext>
-          </a:extLst>
-        </p:cNvPr>
-        <p:cNvGrpSpPr/>
-        <p:nvPr/>
-      </p:nvGrpSpPr>
-      <p:grpSpPr>
-        <a:xfrm>
-          <a:off x="0" y="0"/>
-          <a:ext cx="0" cy="0"/>
-          <a:chOff x="0" y="0"/>
-          <a:chExt cx="0" cy="0"/>
-        </a:xfrm>
-      </p:grpSpPr>
-      <p:sp>
-        <p:nvSpPr>
-          <p:cNvPr id="46" name="任意多边形: 形状 45">
-            <a:extLst>
-              <a:ext uri="{FF2B5EF4-FFF2-40B4-BE49-F238E27FC236}">
-                <a16:creationId xmlns:a16="http://schemas.microsoft.com/office/drawing/2014/main" id="{6EF23D7B-846E-2585-8858-8B179B563C89}"/>
-              </a:ext>
-            </a:extLst>
-          </p:cNvPr>
-          <p:cNvSpPr/>
-          <p:nvPr/>
-        </p:nvSpPr>
-        <p:spPr>
-          <a:xfrm>
-            <a:off x="2264713" y="5936106"/>
-            <a:ext cx="508179" cy="906094"/>
-          </a:xfrm>
-          <a:custGeom>
-            <a:avLst/>
-            <a:gdLst>
-              <a:gd name="connsiteX0" fmla="*/ 493746 w 508179"/>
-              <a:gd name="connsiteY0" fmla="*/ 759429 h 906094"/>
-              <a:gd name="connsiteX1" fmla="*/ 472158 w 508179"/>
-              <a:gd name="connsiteY1" fmla="*/ 739734 h 906094"/>
-              <a:gd name="connsiteX2" fmla="*/ 478778 w 508179"/>
-              <a:gd name="connsiteY2" fmla="*/ 723617 h 906094"/>
-              <a:gd name="connsiteX3" fmla="*/ 480189 w 508179"/>
-              <a:gd name="connsiteY3" fmla="*/ 717991 h 906094"/>
-              <a:gd name="connsiteX4" fmla="*/ 479624 w 508179"/>
-              <a:gd name="connsiteY4" fmla="*/ 716634 h 906094"/>
-              <a:gd name="connsiteX5" fmla="*/ 406891 w 508179"/>
-              <a:gd name="connsiteY5" fmla="*/ 687169 h 906094"/>
-              <a:gd name="connsiteX6" fmla="*/ 377272 w 508179"/>
-              <a:gd name="connsiteY6" fmla="*/ 717016 h 906094"/>
-              <a:gd name="connsiteX7" fmla="*/ 333967 w 508179"/>
-              <a:gd name="connsiteY7" fmla="*/ 840356 h 906094"/>
-              <a:gd name="connsiteX8" fmla="*/ 336854 w 508179"/>
-              <a:gd name="connsiteY8" fmla="*/ 896818 h 906094"/>
-              <a:gd name="connsiteX9" fmla="*/ 276978 w 508179"/>
-              <a:gd name="connsiteY9" fmla="*/ 623469 h 906094"/>
-              <a:gd name="connsiteX10" fmla="*/ 280920 w 508179"/>
-              <a:gd name="connsiteY10" fmla="*/ 552603 h 906094"/>
-              <a:gd name="connsiteX11" fmla="*/ 289980 w 508179"/>
-              <a:gd name="connsiteY11" fmla="*/ 495149 h 906094"/>
-              <a:gd name="connsiteX12" fmla="*/ 422006 w 508179"/>
-              <a:gd name="connsiteY12" fmla="*/ 212977 h 906094"/>
-              <a:gd name="connsiteX13" fmla="*/ 495695 w 508179"/>
-              <a:gd name="connsiteY13" fmla="*/ 136520 h 906094"/>
-              <a:gd name="connsiteX14" fmla="*/ 507987 w 508179"/>
-              <a:gd name="connsiteY14" fmla="*/ 99589 h 906094"/>
-              <a:gd name="connsiteX15" fmla="*/ 497170 w 508179"/>
-              <a:gd name="connsiteY15" fmla="*/ 42071 h 906094"/>
-              <a:gd name="connsiteX16" fmla="*/ 477758 w 508179"/>
-              <a:gd name="connsiteY16" fmla="*/ 23315 h 906094"/>
-              <a:gd name="connsiteX17" fmla="*/ 393661 w 508179"/>
-              <a:gd name="connsiteY17" fmla="*/ 42955 h 906094"/>
-              <a:gd name="connsiteX18" fmla="*/ 377135 w 508179"/>
-              <a:gd name="connsiteY18" fmla="*/ 132523 h 906094"/>
-              <a:gd name="connsiteX19" fmla="*/ 409951 w 508179"/>
-              <a:gd name="connsiteY19" fmla="*/ 205684 h 906094"/>
-              <a:gd name="connsiteX20" fmla="*/ 405480 w 508179"/>
-              <a:gd name="connsiteY20" fmla="*/ 211274 h 906094"/>
-              <a:gd name="connsiteX21" fmla="*/ 335543 w 508179"/>
-              <a:gd name="connsiteY21" fmla="*/ 322067 h 906094"/>
-              <a:gd name="connsiteX22" fmla="*/ 318917 w 508179"/>
-              <a:gd name="connsiteY22" fmla="*/ 192690 h 906094"/>
-              <a:gd name="connsiteX23" fmla="*/ 246885 w 508179"/>
-              <a:gd name="connsiteY23" fmla="*/ 88754 h 906094"/>
-              <a:gd name="connsiteX24" fmla="*/ 166650 w 508179"/>
-              <a:gd name="connsiteY24" fmla="*/ 78793 h 906094"/>
-              <a:gd name="connsiteX25" fmla="*/ 145052 w 508179"/>
-              <a:gd name="connsiteY25" fmla="*/ 116826 h 906094"/>
-              <a:gd name="connsiteX26" fmla="*/ 144897 w 508179"/>
-              <a:gd name="connsiteY26" fmla="*/ 118292 h 906094"/>
-              <a:gd name="connsiteX27" fmla="*/ 156361 w 508179"/>
-              <a:gd name="connsiteY27" fmla="*/ 125302 h 906094"/>
-              <a:gd name="connsiteX28" fmla="*/ 164091 w 508179"/>
-              <a:gd name="connsiteY28" fmla="*/ 164182 h 906094"/>
-              <a:gd name="connsiteX29" fmla="*/ 145052 w 508179"/>
-              <a:gd name="connsiteY29" fmla="*/ 176311 h 906094"/>
-              <a:gd name="connsiteX30" fmla="*/ 144487 w 508179"/>
-              <a:gd name="connsiteY30" fmla="*/ 176392 h 906094"/>
-              <a:gd name="connsiteX31" fmla="*/ 151835 w 508179"/>
-              <a:gd name="connsiteY31" fmla="*/ 218094 h 906094"/>
-              <a:gd name="connsiteX32" fmla="*/ 294806 w 508179"/>
-              <a:gd name="connsiteY32" fmla="*/ 398050 h 906094"/>
-              <a:gd name="connsiteX33" fmla="*/ 301626 w 508179"/>
-              <a:gd name="connsiteY33" fmla="*/ 401519 h 906094"/>
-              <a:gd name="connsiteX34" fmla="*/ 264813 w 508179"/>
-              <a:gd name="connsiteY34" fmla="*/ 574774 h 906094"/>
-              <a:gd name="connsiteX35" fmla="*/ 265278 w 508179"/>
-              <a:gd name="connsiteY35" fmla="*/ 679512 h 906094"/>
-              <a:gd name="connsiteX36" fmla="*/ 265105 w 508179"/>
-              <a:gd name="connsiteY36" fmla="*/ 678274 h 906094"/>
-              <a:gd name="connsiteX37" fmla="*/ 206585 w 508179"/>
-              <a:gd name="connsiteY37" fmla="*/ 579299 h 906094"/>
-              <a:gd name="connsiteX38" fmla="*/ 49356 w 508179"/>
-              <a:gd name="connsiteY38" fmla="*/ 498955 h 906094"/>
-              <a:gd name="connsiteX39" fmla="*/ 4904 w 508179"/>
-              <a:gd name="connsiteY39" fmla="*/ 508643 h 906094"/>
-              <a:gd name="connsiteX40" fmla="*/ 87 w 508179"/>
-              <a:gd name="connsiteY40" fmla="*/ 530249 h 906094"/>
-              <a:gd name="connsiteX41" fmla="*/ 287 w 508179"/>
-              <a:gd name="connsiteY41" fmla="*/ 531551 h 906094"/>
-              <a:gd name="connsiteX42" fmla="*/ 21394 w 508179"/>
-              <a:gd name="connsiteY42" fmla="*/ 541722 h 906094"/>
-              <a:gd name="connsiteX43" fmla="*/ 32857 w 508179"/>
-              <a:gd name="connsiteY43" fmla="*/ 548733 h 906094"/>
-              <a:gd name="connsiteX44" fmla="*/ 40587 w 508179"/>
-              <a:gd name="connsiteY44" fmla="*/ 587603 h 906094"/>
-              <a:gd name="connsiteX45" fmla="*/ 21557 w 508179"/>
-              <a:gd name="connsiteY45" fmla="*/ 599741 h 906094"/>
-              <a:gd name="connsiteX46" fmla="*/ 20984 w 508179"/>
-              <a:gd name="connsiteY46" fmla="*/ 599823 h 906094"/>
-              <a:gd name="connsiteX47" fmla="*/ 19809 w 508179"/>
-              <a:gd name="connsiteY47" fmla="*/ 600005 h 906094"/>
-              <a:gd name="connsiteX48" fmla="*/ 71145 w 508179"/>
-              <a:gd name="connsiteY48" fmla="*/ 680395 h 906094"/>
-              <a:gd name="connsiteX49" fmla="*/ 279573 w 508179"/>
-              <a:gd name="connsiteY49" fmla="*/ 771839 h 906094"/>
-              <a:gd name="connsiteX50" fmla="*/ 279627 w 508179"/>
-              <a:gd name="connsiteY50" fmla="*/ 771839 h 906094"/>
-              <a:gd name="connsiteX51" fmla="*/ 325563 w 508179"/>
-              <a:gd name="connsiteY51" fmla="*/ 905932 h 906094"/>
-              <a:gd name="connsiteX52" fmla="*/ 489640 w 508179"/>
-              <a:gd name="connsiteY52" fmla="*/ 905932 h 906094"/>
-              <a:gd name="connsiteX53" fmla="*/ 491288 w 508179"/>
-              <a:gd name="connsiteY53" fmla="*/ 900405 h 906094"/>
-              <a:gd name="connsiteX54" fmla="*/ 445880 w 508179"/>
-              <a:gd name="connsiteY54" fmla="*/ 897701 h 906094"/>
-              <a:gd name="connsiteX55" fmla="*/ 482401 w 508179"/>
-              <a:gd name="connsiteY55" fmla="*/ 852766 h 906094"/>
-              <a:gd name="connsiteX56" fmla="*/ 483166 w 508179"/>
-              <a:gd name="connsiteY56" fmla="*/ 851883 h 906094"/>
-              <a:gd name="connsiteX57" fmla="*/ 501750 w 508179"/>
-              <a:gd name="connsiteY57" fmla="*/ 829002 h 906094"/>
-              <a:gd name="connsiteX58" fmla="*/ 501759 w 508179"/>
-              <a:gd name="connsiteY58" fmla="*/ 829002 h 906094"/>
-              <a:gd name="connsiteX59" fmla="*/ 493756 w 508179"/>
-              <a:gd name="connsiteY59" fmla="*/ 759438 h 906094"/>
-            </a:gdLst>
-            <a:ahLst/>
-            <a:cxnLst>
-              <a:cxn ang="0">
-                <a:pos x="connsiteX0" y="connsiteY0"/>
-              </a:cxn>
-              <a:cxn ang="0">
-                <a:pos x="connsiteX1" y="connsiteY1"/>
-              </a:cxn>
-              <a:cxn ang="0">
-                <a:pos x="connsiteX2" y="connsiteY2"/>
-              </a:cxn>
-              <a:cxn ang="0">
-                <a:pos x="connsiteX3" y="connsiteY3"/>
-              </a:cxn>
-              <a:cxn ang="0">
-                <a:pos x="connsiteX4" y="connsiteY4"/>
-              </a:cxn>
-              <a:cxn ang="0">
-                <a:pos x="connsiteX5" y="connsiteY5"/>
-              </a:cxn>
-              <a:cxn ang="0">
-                <a:pos x="connsiteX6" y="connsiteY6"/>
-              </a:cxn>
-              <a:cxn ang="0">
-                <a:pos x="connsiteX7" y="connsiteY7"/>
-              </a:cxn>
-              <a:cxn ang="0">
-                <a:pos x="connsiteX8" y="connsiteY8"/>
-              </a:cxn>
-              <a:cxn ang="0">
-                <a:pos x="connsiteX9" y="connsiteY9"/>
-              </a:cxn>
-              <a:cxn ang="0">
-                <a:pos x="connsiteX10" y="connsiteY10"/>
-              </a:cxn>
-              <a:cxn ang="0">
-                <a:pos x="connsiteX11" y="connsiteY11"/>
-              </a:cxn>
-              <a:cxn ang="0">
-                <a:pos x="connsiteX12" y="connsiteY12"/>
-              </a:cxn>
-              <a:cxn ang="0">
-                <a:pos x="connsiteX13" y="connsiteY13"/>
-              </a:cxn>
-              <a:cxn ang="0">
-                <a:pos x="connsiteX14" y="connsiteY14"/>
-              </a:cxn>
-              <a:cxn ang="0">
-                <a:pos x="connsiteX15" y="connsiteY15"/>
-              </a:cxn>
-              <a:cxn ang="0">
-                <a:pos x="connsiteX16" y="connsiteY16"/>
-              </a:cxn>
-              <a:cxn ang="0">
-                <a:pos x="connsiteX17" y="connsiteY17"/>
-              </a:cxn>
-              <a:cxn ang="0">
-                <a:pos x="connsiteX18" y="connsiteY18"/>
-              </a:cxn>
-              <a:cxn ang="0">
-                <a:pos x="connsiteX19" y="connsiteY19"/>
-              </a:cxn>
-              <a:cxn ang="0">
-                <a:pos x="connsiteX20" y="connsiteY20"/>
-              </a:cxn>
-              <a:cxn ang="0">
-                <a:pos x="connsiteX21" y="connsiteY21"/>
-              </a:cxn>
-              <a:cxn ang="0">
-                <a:pos x="connsiteX22" y="connsiteY22"/>
-              </a:cxn>
-              <a:cxn ang="0">
-                <a:pos x="connsiteX23" y="connsiteY23"/>
-              </a:cxn>
-              <a:cxn ang="0">
-                <a:pos x="connsiteX24" y="connsiteY24"/>
-              </a:cxn>
-              <a:cxn ang="0">
-                <a:pos x="connsiteX25" y="connsiteY25"/>
-              </a:cxn>
-              <a:cxn ang="0">
-                <a:pos x="connsiteX26" y="connsiteY26"/>
-              </a:cxn>
-              <a:cxn ang="0">
-                <a:pos x="connsiteX27" y="connsiteY27"/>
-              </a:cxn>
-              <a:cxn ang="0">
-                <a:pos x="connsiteX28" y="connsiteY28"/>
-              </a:cxn>
-              <a:cxn ang="0">
-                <a:pos x="connsiteX29" y="connsiteY29"/>
-              </a:cxn>
-              <a:cxn ang="0">
-                <a:pos x="connsiteX30" y="connsiteY30"/>
-              </a:cxn>
-              <a:cxn ang="0">
-                <a:pos x="connsiteX31" y="connsiteY31"/>
-              </a:cxn>
-              <a:cxn ang="0">
-                <a:pos x="connsiteX32" y="connsiteY32"/>
-              </a:cxn>
-              <a:cxn ang="0">
-                <a:pos x="connsiteX33" y="connsiteY33"/>
-              </a:cxn>
-              <a:cxn ang="0">
-                <a:pos x="connsiteX34" y="connsiteY34"/>
-              </a:cxn>
-              <a:cxn ang="0">
-                <a:pos x="connsiteX35" y="connsiteY35"/>
-              </a:cxn>
-              <a:cxn ang="0">
-                <a:pos x="connsiteX36" y="connsiteY36"/>
-              </a:cxn>
-              <a:cxn ang="0">
-                <a:pos x="connsiteX37" y="connsiteY37"/>
-              </a:cxn>
-              <a:cxn ang="0">
-                <a:pos x="connsiteX38" y="connsiteY38"/>
-              </a:cxn>
-              <a:cxn ang="0">
-                <a:pos x="connsiteX39" y="connsiteY39"/>
-              </a:cxn>
-              <a:cxn ang="0">
-                <a:pos x="connsiteX40" y="connsiteY40"/>
-              </a:cxn>
-              <a:cxn ang="0">
-                <a:pos x="connsiteX41" y="connsiteY41"/>
-              </a:cxn>
-              <a:cxn ang="0">
-                <a:pos x="connsiteX42" y="connsiteY42"/>
-              </a:cxn>
-              <a:cxn ang="0">
-                <a:pos x="connsiteX43" y="connsiteY43"/>
-              </a:cxn>
-              <a:cxn ang="0">
-                <a:pos x="connsiteX44" y="connsiteY44"/>
-              </a:cxn>
-              <a:cxn ang="0">
-                <a:pos x="connsiteX45" y="connsiteY45"/>
-              </a:cxn>
-              <a:cxn ang="0">
-                <a:pos x="connsiteX46" y="connsiteY46"/>
-              </a:cxn>
-              <a:cxn ang="0">
-                <a:pos x="connsiteX47" y="connsiteY47"/>
-              </a:cxn>
-              <a:cxn ang="0">
-                <a:pos x="connsiteX48" y="connsiteY48"/>
-              </a:cxn>
-              <a:cxn ang="0">
-                <a:pos x="connsiteX49" y="connsiteY49"/>
-              </a:cxn>
-              <a:cxn ang="0">
-                <a:pos x="connsiteX50" y="connsiteY50"/>
-              </a:cxn>
-              <a:cxn ang="0">
-                <a:pos x="connsiteX51" y="connsiteY51"/>
-              </a:cxn>
-              <a:cxn ang="0">
-                <a:pos x="connsiteX52" y="connsiteY52"/>
-              </a:cxn>
-              <a:cxn ang="0">
-                <a:pos x="connsiteX53" y="connsiteY53"/>
-              </a:cxn>
-              <a:cxn ang="0">
-                <a:pos x="connsiteX54" y="connsiteY54"/>
-              </a:cxn>
-              <a:cxn ang="0">
-                <a:pos x="connsiteX55" y="connsiteY55"/>
-              </a:cxn>
-              <a:cxn ang="0">
-                <a:pos x="connsiteX56" y="connsiteY56"/>
-              </a:cxn>
-              <a:cxn ang="0">
-                <a:pos x="connsiteX57" y="connsiteY57"/>
-              </a:cxn>
-              <a:cxn ang="0">
-                <a:pos x="connsiteX58" y="connsiteY58"/>
-              </a:cxn>
-              <a:cxn ang="0">
-                <a:pos x="connsiteX59" y="connsiteY59"/>
-              </a:cxn>
-            </a:cxnLst>
-            <a:rect l="l" t="t" r="r" b="b"/>
-            <a:pathLst>
-              <a:path w="508179" h="906094">
-                <a:moveTo>
-                  <a:pt x="493746" y="759429"/>
-                </a:moveTo>
-                <a:cubicBezTo>
-                  <a:pt x="482347" y="759957"/>
-                  <a:pt x="472686" y="751134"/>
-                  <a:pt x="472158" y="739734"/>
-                </a:cubicBezTo>
-                <a:cubicBezTo>
-                  <a:pt x="471876" y="733652"/>
-                  <a:pt x="474298" y="727752"/>
-                  <a:pt x="478778" y="723617"/>
-                </a:cubicBezTo>
-                <a:lnTo>
-                  <a:pt x="480189" y="717991"/>
-                </a:lnTo>
-                <a:cubicBezTo>
-                  <a:pt x="480007" y="717535"/>
-                  <a:pt x="479815" y="717089"/>
-                  <a:pt x="479624" y="716634"/>
-                </a:cubicBezTo>
-                <a:cubicBezTo>
-                  <a:pt x="467678" y="688417"/>
-                  <a:pt x="435118" y="675223"/>
-                  <a:pt x="406891" y="687169"/>
-                </a:cubicBezTo>
-                <a:cubicBezTo>
-                  <a:pt x="393489" y="692851"/>
-                  <a:pt x="382845" y="703568"/>
-                  <a:pt x="377272" y="717016"/>
-                </a:cubicBezTo>
-                <a:cubicBezTo>
-                  <a:pt x="360528" y="757334"/>
-                  <a:pt x="339212" y="797725"/>
-                  <a:pt x="333967" y="840356"/>
-                </a:cubicBezTo>
-                <a:cubicBezTo>
-                  <a:pt x="331655" y="859204"/>
-                  <a:pt x="332629" y="878307"/>
-                  <a:pt x="336854" y="896818"/>
-                </a:cubicBezTo>
-                <a:cubicBezTo>
-                  <a:pt x="297528" y="811047"/>
-                  <a:pt x="277114" y="717818"/>
-                  <a:pt x="276978" y="623469"/>
-                </a:cubicBezTo>
-                <a:cubicBezTo>
-                  <a:pt x="276978" y="599786"/>
-                  <a:pt x="278289" y="576131"/>
-                  <a:pt x="280920" y="552603"/>
-                </a:cubicBezTo>
-                <a:cubicBezTo>
-                  <a:pt x="283097" y="533309"/>
-                  <a:pt x="286119" y="514161"/>
-                  <a:pt x="289980" y="495149"/>
-                </a:cubicBezTo>
-                <a:cubicBezTo>
-                  <a:pt x="311050" y="391968"/>
-                  <a:pt x="356303" y="295270"/>
-                  <a:pt x="422006" y="212977"/>
-                </a:cubicBezTo>
-                <a:cubicBezTo>
-                  <a:pt x="453811" y="195622"/>
-                  <a:pt x="479524" y="168944"/>
-                  <a:pt x="495695" y="136520"/>
-                </a:cubicBezTo>
-                <a:cubicBezTo>
-                  <a:pt x="501550" y="124866"/>
-                  <a:pt x="505693" y="112428"/>
-                  <a:pt x="507987" y="99589"/>
-                </a:cubicBezTo>
-                <a:cubicBezTo>
-                  <a:pt x="504400" y="100063"/>
-                  <a:pt x="494457" y="45431"/>
-                  <a:pt x="497170" y="42071"/>
-                </a:cubicBezTo>
-                <a:cubicBezTo>
-                  <a:pt x="492162" y="34487"/>
-                  <a:pt x="483221" y="30717"/>
-                  <a:pt x="477758" y="23315"/>
-                </a:cubicBezTo>
-                <a:cubicBezTo>
-                  <a:pt x="450606" y="-13498"/>
-                  <a:pt x="413192" y="-7069"/>
-                  <a:pt x="393661" y="42955"/>
-                </a:cubicBezTo>
-                <a:cubicBezTo>
-                  <a:pt x="351941" y="64015"/>
-                  <a:pt x="351532" y="98934"/>
-                  <a:pt x="377135" y="132523"/>
-                </a:cubicBezTo>
-                <a:cubicBezTo>
-                  <a:pt x="393425" y="153893"/>
-                  <a:pt x="395656" y="182802"/>
-                  <a:pt x="409951" y="205684"/>
-                </a:cubicBezTo>
-                <a:cubicBezTo>
-                  <a:pt x="408476" y="207569"/>
-                  <a:pt x="406955" y="209390"/>
-                  <a:pt x="405480" y="211274"/>
-                </a:cubicBezTo>
-                <a:cubicBezTo>
-                  <a:pt x="378601" y="245829"/>
-                  <a:pt x="355183" y="282942"/>
-                  <a:pt x="335543" y="322067"/>
-                </a:cubicBezTo>
-                <a:cubicBezTo>
-                  <a:pt x="340323" y="278234"/>
-                  <a:pt x="334623" y="233892"/>
-                  <a:pt x="318917" y="192690"/>
-                </a:cubicBezTo>
-                <a:cubicBezTo>
-                  <a:pt x="302992" y="154285"/>
-                  <a:pt x="273163" y="121943"/>
-                  <a:pt x="246885" y="88754"/>
-                </a:cubicBezTo>
-                <a:cubicBezTo>
-                  <a:pt x="227482" y="63842"/>
-                  <a:pt x="191552" y="59390"/>
-                  <a:pt x="166650" y="78793"/>
-                </a:cubicBezTo>
-                <a:cubicBezTo>
-                  <a:pt x="154694" y="88108"/>
-                  <a:pt x="146927" y="101784"/>
-                  <a:pt x="145052" y="116826"/>
-                </a:cubicBezTo>
-                <a:cubicBezTo>
-                  <a:pt x="144997" y="117318"/>
-                  <a:pt x="144952" y="117800"/>
-                  <a:pt x="144897" y="118292"/>
-                </a:cubicBezTo>
-                <a:cubicBezTo>
-                  <a:pt x="148794" y="120495"/>
-                  <a:pt x="152618" y="122826"/>
-                  <a:pt x="156361" y="125302"/>
-                </a:cubicBezTo>
-                <a:cubicBezTo>
-                  <a:pt x="169226" y="133898"/>
-                  <a:pt x="172686" y="151307"/>
-                  <a:pt x="164091" y="164182"/>
-                </a:cubicBezTo>
-                <a:cubicBezTo>
-                  <a:pt x="159730" y="170710"/>
-                  <a:pt x="152819" y="175108"/>
-                  <a:pt x="145052" y="176311"/>
-                </a:cubicBezTo>
-                <a:lnTo>
-                  <a:pt x="144487" y="176392"/>
-                </a:lnTo>
-                <a:cubicBezTo>
-                  <a:pt x="145871" y="190460"/>
-                  <a:pt x="148330" y="204400"/>
-                  <a:pt x="151835" y="218094"/>
-                </a:cubicBezTo>
-                <a:cubicBezTo>
-                  <a:pt x="118128" y="348445"/>
-                  <a:pt x="190897" y="395920"/>
-                  <a:pt x="294806" y="398050"/>
-                </a:cubicBezTo>
-                <a:cubicBezTo>
-                  <a:pt x="297091" y="399225"/>
-                  <a:pt x="299331" y="400399"/>
-                  <a:pt x="301626" y="401519"/>
-                </a:cubicBezTo>
-                <a:cubicBezTo>
-                  <a:pt x="281895" y="457435"/>
-                  <a:pt x="269520" y="515672"/>
-                  <a:pt x="264813" y="574774"/>
-                </a:cubicBezTo>
-                <a:cubicBezTo>
-                  <a:pt x="262145" y="609638"/>
-                  <a:pt x="262300" y="644666"/>
-                  <a:pt x="265278" y="679512"/>
-                </a:cubicBezTo>
-                <a:lnTo>
-                  <a:pt x="265105" y="678274"/>
-                </a:lnTo>
-                <a:cubicBezTo>
-                  <a:pt x="257575" y="639531"/>
-                  <a:pt x="236905" y="604576"/>
-                  <a:pt x="206585" y="579299"/>
-                </a:cubicBezTo>
-                <a:cubicBezTo>
-                  <a:pt x="161560" y="542314"/>
-                  <a:pt x="97932" y="528683"/>
-                  <a:pt x="49356" y="498955"/>
-                </a:cubicBezTo>
-                <a:cubicBezTo>
-                  <a:pt x="34405" y="489358"/>
-                  <a:pt x="14501" y="493692"/>
-                  <a:pt x="4904" y="508643"/>
-                </a:cubicBezTo>
-                <a:cubicBezTo>
-                  <a:pt x="797" y="515044"/>
-                  <a:pt x="-914" y="522701"/>
-                  <a:pt x="87" y="530249"/>
-                </a:cubicBezTo>
-                <a:lnTo>
-                  <a:pt x="287" y="531551"/>
-                </a:lnTo>
-                <a:cubicBezTo>
-                  <a:pt x="7526" y="534492"/>
-                  <a:pt x="14573" y="537898"/>
-                  <a:pt x="21394" y="541722"/>
-                </a:cubicBezTo>
-                <a:cubicBezTo>
-                  <a:pt x="25300" y="543926"/>
-                  <a:pt x="29115" y="546256"/>
-                  <a:pt x="32857" y="548733"/>
-                </a:cubicBezTo>
-                <a:cubicBezTo>
-                  <a:pt x="45723" y="557328"/>
-                  <a:pt x="49192" y="574738"/>
-                  <a:pt x="40587" y="587603"/>
-                </a:cubicBezTo>
-                <a:cubicBezTo>
-                  <a:pt x="36226" y="594141"/>
-                  <a:pt x="29324" y="598539"/>
-                  <a:pt x="21557" y="599741"/>
-                </a:cubicBezTo>
-                <a:lnTo>
-                  <a:pt x="20984" y="599823"/>
-                </a:lnTo>
-                <a:cubicBezTo>
-                  <a:pt x="20574" y="599886"/>
-                  <a:pt x="20219" y="599941"/>
-                  <a:pt x="19809" y="600005"/>
-                </a:cubicBezTo>
-                <a:cubicBezTo>
-                  <a:pt x="32183" y="629542"/>
-                  <a:pt x="49547" y="656740"/>
-                  <a:pt x="71145" y="680395"/>
-                </a:cubicBezTo>
-                <a:cubicBezTo>
-                  <a:pt x="92223" y="794183"/>
-                  <a:pt x="182739" y="804982"/>
-                  <a:pt x="279573" y="771839"/>
-                </a:cubicBezTo>
-                <a:lnTo>
-                  <a:pt x="279627" y="771839"/>
-                </a:lnTo>
-                <a:cubicBezTo>
-                  <a:pt x="290253" y="818012"/>
-                  <a:pt x="305641" y="862946"/>
-                  <a:pt x="325563" y="905932"/>
-                </a:cubicBezTo>
-                <a:lnTo>
-                  <a:pt x="489640" y="905932"/>
-                </a:lnTo>
-                <a:cubicBezTo>
-                  <a:pt x="490223" y="904102"/>
-                  <a:pt x="490751" y="902226"/>
-                  <a:pt x="491288" y="900405"/>
-                </a:cubicBezTo>
-                <a:cubicBezTo>
-                  <a:pt x="476101" y="901352"/>
-                  <a:pt x="460849" y="900451"/>
-                  <a:pt x="445880" y="897701"/>
-                </a:cubicBezTo>
-                <a:cubicBezTo>
-                  <a:pt x="458054" y="882759"/>
-                  <a:pt x="470227" y="867699"/>
-                  <a:pt x="482401" y="852766"/>
-                </a:cubicBezTo>
-                <a:cubicBezTo>
-                  <a:pt x="482674" y="852484"/>
-                  <a:pt x="482929" y="852193"/>
-                  <a:pt x="483166" y="851883"/>
-                </a:cubicBezTo>
-                <a:cubicBezTo>
-                  <a:pt x="489349" y="844235"/>
-                  <a:pt x="495577" y="836650"/>
-                  <a:pt x="501750" y="829002"/>
-                </a:cubicBezTo>
-                <a:lnTo>
-                  <a:pt x="501759" y="829002"/>
-                </a:lnTo>
-                <a:cubicBezTo>
-                  <a:pt x="502087" y="805565"/>
-                  <a:pt x="499401" y="782182"/>
-                  <a:pt x="493756" y="759438"/>
-                </a:cubicBezTo>
-                <a:close/>
-              </a:path>
-            </a:pathLst>
-          </a:custGeom>
-          <a:solidFill>
-            <a:srgbClr val="F2F2F2"/>
-          </a:solidFill>
-          <a:ln w="9105" cap="flat">
-            <a:noFill/>
-            <a:prstDash val="solid"/>
-            <a:miter/>
-          </a:ln>
-        </p:spPr>
-        <p:txBody>
-          <a:bodyPr rtlCol="0" anchor="ctr"/>
-          <a:lstStyle/>
-          <a:p>
-            <a:endParaRPr lang="zh-CN" altLang="en-US"/>
-          </a:p>
-        </p:txBody>
-      </p:sp>
-      <p:sp>
-        <p:nvSpPr>
-          <p:cNvPr id="47" name="任意多边形: 形状 46">
-            <a:extLst>
-              <a:ext uri="{FF2B5EF4-FFF2-40B4-BE49-F238E27FC236}">
-                <a16:creationId xmlns:a16="http://schemas.microsoft.com/office/drawing/2014/main" id="{532ABC2C-3924-37E4-CA61-FDEDE787FA6F}"/>
-              </a:ext>
-            </a:extLst>
-          </p:cNvPr>
-          <p:cNvSpPr/>
-          <p:nvPr/>
-        </p:nvSpPr>
-        <p:spPr>
-          <a:xfrm>
-            <a:off x="515937" y="6831848"/>
-            <a:ext cx="2327939" cy="21670"/>
-          </a:xfrm>
-          <a:custGeom>
-            <a:avLst/>
-            <a:gdLst>
-              <a:gd name="connsiteX0" fmla="*/ -192 w 2327939"/>
-              <a:gd name="connsiteY0" fmla="*/ 10673 h 21670"/>
-              <a:gd name="connsiteX1" fmla="*/ 10579 w 2327939"/>
-              <a:gd name="connsiteY1" fmla="*/ 21508 h 21670"/>
-              <a:gd name="connsiteX2" fmla="*/ 10643 w 2327939"/>
-              <a:gd name="connsiteY2" fmla="*/ 21508 h 21670"/>
-              <a:gd name="connsiteX3" fmla="*/ 2316912 w 2327939"/>
-              <a:gd name="connsiteY3" fmla="*/ 21508 h 21670"/>
-              <a:gd name="connsiteX4" fmla="*/ 2327747 w 2327939"/>
-              <a:gd name="connsiteY4" fmla="*/ 10673 h 21670"/>
-              <a:gd name="connsiteX5" fmla="*/ 2316912 w 2327939"/>
-              <a:gd name="connsiteY5" fmla="*/ -163 h 21670"/>
-              <a:gd name="connsiteX6" fmla="*/ 10643 w 2327939"/>
-              <a:gd name="connsiteY6" fmla="*/ -163 h 21670"/>
-              <a:gd name="connsiteX7" fmla="*/ -192 w 2327939"/>
-              <a:gd name="connsiteY7" fmla="*/ 10609 h 21670"/>
-              <a:gd name="connsiteX8" fmla="*/ -192 w 2327939"/>
-              <a:gd name="connsiteY8" fmla="*/ 10673 h 21670"/>
-            </a:gdLst>
-            <a:ahLst/>
-            <a:cxnLst>
-              <a:cxn ang="0">
-                <a:pos x="connsiteX0" y="connsiteY0"/>
-              </a:cxn>
-              <a:cxn ang="0">
-                <a:pos x="connsiteX1" y="connsiteY1"/>
-              </a:cxn>
-              <a:cxn ang="0">
-                <a:pos x="connsiteX2" y="connsiteY2"/>
-              </a:cxn>
-              <a:cxn ang="0">
-                <a:pos x="connsiteX3" y="connsiteY3"/>
-              </a:cxn>
-              <a:cxn ang="0">
-                <a:pos x="connsiteX4" y="connsiteY4"/>
-              </a:cxn>
-              <a:cxn ang="0">
-                <a:pos x="connsiteX5" y="connsiteY5"/>
-              </a:cxn>
-              <a:cxn ang="0">
-                <a:pos x="connsiteX6" y="connsiteY6"/>
-              </a:cxn>
-              <a:cxn ang="0">
-                <a:pos x="connsiteX7" y="connsiteY7"/>
-              </a:cxn>
-              <a:cxn ang="0">
-                <a:pos x="connsiteX8" y="connsiteY8"/>
-              </a:cxn>
-            </a:cxnLst>
-            <a:rect l="l" t="t" r="r" b="b"/>
-            <a:pathLst>
-              <a:path w="2327939" h="21670">
-                <a:moveTo>
-                  <a:pt x="-192" y="10673"/>
-                </a:moveTo>
-                <a:cubicBezTo>
-                  <a:pt x="-210" y="16636"/>
-                  <a:pt x="4616" y="21490"/>
-                  <a:pt x="10579" y="21508"/>
-                </a:cubicBezTo>
-                <a:cubicBezTo>
-                  <a:pt x="10598" y="21508"/>
-                  <a:pt x="10625" y="21508"/>
-                  <a:pt x="10643" y="21508"/>
-                </a:cubicBezTo>
-                <a:lnTo>
-                  <a:pt x="2316912" y="21508"/>
-                </a:lnTo>
-                <a:cubicBezTo>
-                  <a:pt x="2322894" y="21508"/>
-                  <a:pt x="2327747" y="16655"/>
-                  <a:pt x="2327747" y="10673"/>
-                </a:cubicBezTo>
-                <a:cubicBezTo>
-                  <a:pt x="2327747" y="4690"/>
-                  <a:pt x="2322894" y="-163"/>
-                  <a:pt x="2316912" y="-163"/>
-                </a:cubicBezTo>
-                <a:lnTo>
-                  <a:pt x="10643" y="-163"/>
-                </a:lnTo>
-                <a:cubicBezTo>
-                  <a:pt x="4679" y="-181"/>
-                  <a:pt x="-174" y="4644"/>
-                  <a:pt x="-192" y="10609"/>
-                </a:cubicBezTo>
-                <a:cubicBezTo>
-                  <a:pt x="-192" y="10636"/>
-                  <a:pt x="-192" y="10654"/>
-                  <a:pt x="-192" y="10673"/>
-                </a:cubicBezTo>
-                <a:close/>
-              </a:path>
-            </a:pathLst>
-          </a:custGeom>
-          <a:solidFill>
-            <a:srgbClr val="CCCCCC"/>
-          </a:solidFill>
-          <a:ln w="9105" cap="flat">
-            <a:noFill/>
-            <a:prstDash val="solid"/>
-            <a:miter/>
-          </a:ln>
-        </p:spPr>
-        <p:txBody>
-          <a:bodyPr rtlCol="0" anchor="ctr"/>
-          <a:lstStyle/>
-          <a:p>
-            <a:endParaRPr lang="zh-CN" altLang="en-US"/>
-          </a:p>
-        </p:txBody>
-      </p:sp>
-      <p:pic>
-        <p:nvPicPr>
-          <p:cNvPr id="4" name="Picture 3">
-            <a:extLst>
-              <a:ext uri="{FF2B5EF4-FFF2-40B4-BE49-F238E27FC236}">
-                <a16:creationId xmlns:a16="http://schemas.microsoft.com/office/drawing/2014/main" id="{518A9A16-D6D9-FC28-63DE-AF1B4956B3D9}"/>
-              </a:ext>
-            </a:extLst>
-          </p:cNvPr>
-          <p:cNvPicPr>
-            <a:picLocks noChangeAspect="1"/>
-          </p:cNvPicPr>
-          <p:nvPr/>
-        </p:nvPicPr>
-        <p:blipFill>
-          <a:blip r:embed="rId2"/>
-          <a:stretch>
-            <a:fillRect/>
-          </a:stretch>
-        </p:blipFill>
-        <p:spPr>
-          <a:xfrm>
-            <a:off x="896204" y="346483"/>
-            <a:ext cx="9701692" cy="5786975"/>
-          </a:xfrm>
-          <a:prstGeom prst="rect">
-            <a:avLst/>
-          </a:prstGeom>
-        </p:spPr>
-      </p:pic>
-    </p:spTree>
-    <p:extLst>
-      <p:ext uri="{BB962C8B-B14F-4D97-AF65-F5344CB8AC3E}">
-        <p14:creationId xmlns:p14="http://schemas.microsoft.com/office/powerpoint/2010/main" val="2055763832"/>
-      </p:ext>
-    </p:extLst>
-  </p:cSld>
-  <p:clrMapOvr>
-    <a:masterClrMapping/>
-  </p:clrMapOvr>
+  <mc:AlternateContent xmlns:mc="http://schemas.openxmlformats.org/markup-compatibility/2006">
+    <mc:Choice xmlns:p159="http://schemas.microsoft.com/office/powerpoint/2015/09/main" Requires="p159">
+      <p:transition xmlns:p14="http://schemas.microsoft.com/office/powerpoint/2010/main" spd="slow" p14:dur="2000">
+        <p159:morph option="byObject"/>
+      </p:transition>
+    </mc:Choice>
+    <mc:Fallback>
+      <p:transition spd="slow">
+        <p:fade/>
+      </p:transition>
+    </mc:Fallback>
+  </mc:AlternateContent>
 </p:sld>
 </file>
 
